--- a/Presentation - Fernanda Mina.pptx
+++ b/Presentation - Fernanda Mina.pptx
@@ -8264,7 +8264,9 @@
         </p:nvSpPr>
         <p:spPr/>
         <p:txBody>
-          <a:bodyPr/>
+          <a:bodyPr>
+            <a:normAutofit lnSpcReduction="10000"/>
+          </a:bodyPr>
           <a:lstStyle/>
           <a:p>
             <a:r>
@@ -8295,6 +8297,13 @@
             </a:r>
           </a:p>
           <a:p>
+            <a:pPr lvl="1"/>
+            <a:r>
+              <a:rPr lang="en-US" dirty="0" smtClean="0"/>
+              <a:t>Sales Status </a:t>
+            </a:r>
+          </a:p>
+          <a:p>
             <a:endParaRPr lang="en-US" dirty="0"/>
           </a:p>
           <a:p>
@@ -8307,7 +8316,7 @@
             <a:pPr lvl="1"/>
             <a:r>
               <a:rPr lang="en-US" dirty="0" smtClean="0"/>
-              <a:t>Some data obviously has wrong amount</a:t>
+              <a:t>Some data obviously has wrong amount </a:t>
             </a:r>
           </a:p>
           <a:p>

--- a/Presentation - Fernanda Mina.pptx
+++ b/Presentation - Fernanda Mina.pptx
@@ -5,22 +5,21 @@
     <p:sldMasterId id="2147483648" r:id="rId1"/>
   </p:sldMasterIdLst>
   <p:notesMasterIdLst>
-    <p:notesMasterId r:id="rId15"/>
+    <p:notesMasterId r:id="rId14"/>
   </p:notesMasterIdLst>
   <p:sldIdLst>
     <p:sldId id="256" r:id="rId2"/>
     <p:sldId id="260" r:id="rId3"/>
     <p:sldId id="261" r:id="rId4"/>
-    <p:sldId id="262" r:id="rId5"/>
-    <p:sldId id="266" r:id="rId6"/>
-    <p:sldId id="267" r:id="rId7"/>
-    <p:sldId id="268" r:id="rId8"/>
-    <p:sldId id="269" r:id="rId9"/>
-    <p:sldId id="270" r:id="rId10"/>
-    <p:sldId id="271" r:id="rId11"/>
-    <p:sldId id="272" r:id="rId12"/>
-    <p:sldId id="265" r:id="rId13"/>
-    <p:sldId id="259" r:id="rId14"/>
+    <p:sldId id="266" r:id="rId5"/>
+    <p:sldId id="267" r:id="rId6"/>
+    <p:sldId id="268" r:id="rId7"/>
+    <p:sldId id="269" r:id="rId8"/>
+    <p:sldId id="270" r:id="rId9"/>
+    <p:sldId id="271" r:id="rId10"/>
+    <p:sldId id="272" r:id="rId11"/>
+    <p:sldId id="265" r:id="rId12"/>
+    <p:sldId id="259" r:id="rId13"/>
   </p:sldIdLst>
   <p:sldSz cx="12192000" cy="6858000"/>
   <p:notesSz cx="6858000" cy="9144000"/>
@@ -130,11 +129,7 @@
 <file path=ppt/commentAuthors.xml><?xml version="1.0" encoding="utf-8"?>
 <p:cmAuthorLst xmlns:a="http://schemas.openxmlformats.org/drawingml/2006/main" xmlns:r="http://schemas.openxmlformats.org/officeDocument/2006/relationships" xmlns:p="http://schemas.openxmlformats.org/presentationml/2006/main">
   <p:cmAuthor id="1" name="IMOTO, MINAMI" initials="IM" lastIdx="1" clrIdx="0">
-    <p:extLst>
-      <p:ext uri="{19B8F6BF-5375-455C-9EA6-DF929625EA0E}">
-        <p15:presenceInfo xmlns:p15="http://schemas.microsoft.com/office/powerpoint/2012/main" userId="S::MINAMI.IMOTO@kochind.com::9225f87f-982e-45e3-a465-a80a1a744a4d" providerId="AD"/>
-      </p:ext>
-    </p:extLst>
+    <p:extLst/>
   </p:cmAuthor>
 </p:cmAuthorLst>
 </file>
@@ -235,7 +230,7 @@
           <a:p>
             <a:fld id="{8D2E10F3-AB2A-4448-858B-9648042D5FB3}" type="datetimeFigureOut">
               <a:rPr lang="en-US" smtClean="0"/>
-              <a:t>4/5/2019</a:t>
+              <a:t>4/6/19</a:t>
             </a:fld>
             <a:endParaRPr lang="en-US"/>
           </a:p>
@@ -794,26 +789,15 @@
           <a:bodyPr/>
           <a:lstStyle/>
           <a:p>
-            <a:pPr marL="0" marR="0" lvl="0" indent="0" algn="l" defTabSz="914400" rtl="0" eaLnBrk="1" fontAlgn="auto" latinLnBrk="0" hangingPunct="1">
-              <a:lnSpc>
-                <a:spcPct val="100000"/>
-              </a:lnSpc>
-              <a:spcBef>
-                <a:spcPts val="0"/>
-              </a:spcBef>
-              <a:spcAft>
-                <a:spcPts val="0"/>
-              </a:spcAft>
-              <a:buClrTx/>
-              <a:buSzTx/>
-              <a:buFontTx/>
-              <a:buNone/>
-              <a:tabLst/>
-              <a:defRPr/>
-            </a:pPr>
             <a:r>
               <a:rPr lang="en-US" dirty="0"/>
-              <a:t>Did you find what you expected to find? If not, why not? What inferences or general conclusions can you draw from your analysis?</a:t>
+              <a:t>Discuss any difficulties that arose, and how you dealt with them</a:t>
+            </a:r>
+          </a:p>
+          <a:p>
+            <a:r>
+              <a:rPr lang="en-US" dirty="0"/>
+              <a:t>Discuss any additional questions that came up, but which you didn't have time to answer: What would you research next, if you had two more weeks?</a:t>
             </a:r>
           </a:p>
           <a:p>
@@ -847,7 +831,7 @@
     </p:spTree>
     <p:extLst>
       <p:ext uri="{BB962C8B-B14F-4D97-AF65-F5344CB8AC3E}">
-        <p14:creationId xmlns:p14="http://schemas.microsoft.com/office/powerpoint/2010/main" val="2677365404"/>
+        <p14:creationId xmlns:p14="http://schemas.microsoft.com/office/powerpoint/2010/main" val="1704802398"/>
       </p:ext>
     </p:extLst>
   </p:cSld>
@@ -901,18 +885,6 @@
           <a:bodyPr/>
           <a:lstStyle/>
           <a:p>
-            <a:r>
-              <a:rPr lang="en-US" dirty="0"/>
-              <a:t>Discuss any difficulties that arose, and how you dealt with them</a:t>
-            </a:r>
-          </a:p>
-          <a:p>
-            <a:r>
-              <a:rPr lang="en-US" dirty="0"/>
-              <a:t>Discuss any additional questions that came up, but which you didn't have time to answer: What would you research next, if you had two more weeks?</a:t>
-            </a:r>
-          </a:p>
-          <a:p>
             <a:endParaRPr lang="en-US" dirty="0"/>
           </a:p>
         </p:txBody>
@@ -935,90 +907,6 @@
             <a:fld id="{C25B5FBD-C659-164E-A3B4-92699C293068}" type="slidenum">
               <a:rPr lang="en-US" smtClean="0"/>
               <a:t>12</a:t>
-            </a:fld>
-            <a:endParaRPr lang="en-US"/>
-          </a:p>
-        </p:txBody>
-      </p:sp>
-    </p:spTree>
-    <p:extLst>
-      <p:ext uri="{BB962C8B-B14F-4D97-AF65-F5344CB8AC3E}">
-        <p14:creationId xmlns:p14="http://schemas.microsoft.com/office/powerpoint/2010/main" val="1704802398"/>
-      </p:ext>
-    </p:extLst>
-  </p:cSld>
-  <p:clrMapOvr>
-    <a:masterClrMapping/>
-  </p:clrMapOvr>
-</p:notes>
-</file>
-
-<file path=ppt/notesSlides/notesSlide12.xml><?xml version="1.0" encoding="utf-8"?>
-<p:notes xmlns:a="http://schemas.openxmlformats.org/drawingml/2006/main" xmlns:r="http://schemas.openxmlformats.org/officeDocument/2006/relationships" xmlns:p="http://schemas.openxmlformats.org/presentationml/2006/main">
-  <p:cSld>
-    <p:spTree>
-      <p:nvGrpSpPr>
-        <p:cNvPr id="1" name=""/>
-        <p:cNvGrpSpPr/>
-        <p:nvPr/>
-      </p:nvGrpSpPr>
-      <p:grpSpPr>
-        <a:xfrm>
-          <a:off x="0" y="0"/>
-          <a:ext cx="0" cy="0"/>
-          <a:chOff x="0" y="0"/>
-          <a:chExt cx="0" cy="0"/>
-        </a:xfrm>
-      </p:grpSpPr>
-      <p:sp>
-        <p:nvSpPr>
-          <p:cNvPr id="2" name="Slide Image Placeholder 1"/>
-          <p:cNvSpPr>
-            <a:spLocks noGrp="1" noRot="1" noChangeAspect="1"/>
-          </p:cNvSpPr>
-          <p:nvPr>
-            <p:ph type="sldImg"/>
-          </p:nvPr>
-        </p:nvSpPr>
-        <p:spPr/>
-      </p:sp>
-      <p:sp>
-        <p:nvSpPr>
-          <p:cNvPr id="3" name="Notes Placeholder 2"/>
-          <p:cNvSpPr>
-            <a:spLocks noGrp="1"/>
-          </p:cNvSpPr>
-          <p:nvPr>
-            <p:ph type="body" idx="1"/>
-          </p:nvPr>
-        </p:nvSpPr>
-        <p:spPr/>
-        <p:txBody>
-          <a:bodyPr/>
-          <a:lstStyle/>
-          <a:p>
-            <a:endParaRPr lang="en-US" dirty="0"/>
-          </a:p>
-        </p:txBody>
-      </p:sp>
-      <p:sp>
-        <p:nvSpPr>
-          <p:cNvPr id="4" name="Slide Number Placeholder 3"/>
-          <p:cNvSpPr>
-            <a:spLocks noGrp="1"/>
-          </p:cNvSpPr>
-          <p:nvPr>
-            <p:ph type="sldNum" sz="quarter" idx="5"/>
-          </p:nvPr>
-        </p:nvSpPr>
-        <p:spPr/>
-        <p:txBody>
-          <a:bodyPr/>
-          <a:lstStyle/>
-          <a:p>
-            <a:fld id="{C25B5FBD-C659-164E-A3B4-92699C293068}" type="slidenum">
-              <a:rPr lang="en-US" smtClean="0"/>
-              <a:t>13</a:t>
             </a:fld>
             <a:endParaRPr lang="en-US"/>
           </a:p>
@@ -1209,23 +1097,26 @@
           <a:bodyPr/>
           <a:lstStyle/>
           <a:p>
+            <a:pPr marL="0" marR="0" lvl="0" indent="0" algn="l" defTabSz="914400" rtl="0" eaLnBrk="1" fontAlgn="auto" latinLnBrk="0" hangingPunct="1">
+              <a:lnSpc>
+                <a:spcPct val="100000"/>
+              </a:lnSpc>
+              <a:spcBef>
+                <a:spcPts val="0"/>
+              </a:spcBef>
+              <a:spcAft>
+                <a:spcPts val="0"/>
+              </a:spcAft>
+              <a:buClrTx/>
+              <a:buSzTx/>
+              <a:buFontTx/>
+              <a:buNone/>
+              <a:tabLst/>
+              <a:defRPr/>
+            </a:pPr>
             <a:r>
               <a:rPr lang="en-US" dirty="0"/>
-              <a:t>Discuss the steps you took to analyze the data and answer each question you asked in your proposal</a:t>
-            </a:r>
-          </a:p>
-          <a:p>
-            <a:r>
-              <a:rPr lang="en-US" dirty="0"/>
-              <a:t>Present and discuss interesting figures developed during analysis, ideally with the help of </a:t>
-            </a:r>
-            <a:r>
-              <a:rPr lang="en-US" dirty="0" err="1"/>
-              <a:t>Jupyter</a:t>
-            </a:r>
-            <a:r>
-              <a:rPr lang="en-US" dirty="0"/>
-              <a:t> Notebook</a:t>
+              <a:t>Did you find what you expected to find? If not, why not? What inferences or general conclusions can you draw from your analysis?</a:t>
             </a:r>
           </a:p>
           <a:p>
@@ -1259,7 +1150,7 @@
     </p:spTree>
     <p:extLst>
       <p:ext uri="{BB962C8B-B14F-4D97-AF65-F5344CB8AC3E}">
-        <p14:creationId xmlns:p14="http://schemas.microsoft.com/office/powerpoint/2010/main" val="1518462194"/>
+        <p14:creationId xmlns:p14="http://schemas.microsoft.com/office/powerpoint/2010/main" val="441075408"/>
       </p:ext>
     </p:extLst>
   </p:cSld>
@@ -1366,7 +1257,7 @@
     </p:spTree>
     <p:extLst>
       <p:ext uri="{BB962C8B-B14F-4D97-AF65-F5344CB8AC3E}">
-        <p14:creationId xmlns:p14="http://schemas.microsoft.com/office/powerpoint/2010/main" val="441075408"/>
+        <p14:creationId xmlns:p14="http://schemas.microsoft.com/office/powerpoint/2010/main" val="2099238346"/>
       </p:ext>
     </p:extLst>
   </p:cSld>
@@ -1473,7 +1364,7 @@
     </p:spTree>
     <p:extLst>
       <p:ext uri="{BB962C8B-B14F-4D97-AF65-F5344CB8AC3E}">
-        <p14:creationId xmlns:p14="http://schemas.microsoft.com/office/powerpoint/2010/main" val="2099238346"/>
+        <p14:creationId xmlns:p14="http://schemas.microsoft.com/office/powerpoint/2010/main" val="1604396185"/>
       </p:ext>
     </p:extLst>
   </p:cSld>
@@ -1580,7 +1471,7 @@
     </p:spTree>
     <p:extLst>
       <p:ext uri="{BB962C8B-B14F-4D97-AF65-F5344CB8AC3E}">
-        <p14:creationId xmlns:p14="http://schemas.microsoft.com/office/powerpoint/2010/main" val="1604396185"/>
+        <p14:creationId xmlns:p14="http://schemas.microsoft.com/office/powerpoint/2010/main" val="2385167469"/>
       </p:ext>
     </p:extLst>
   </p:cSld>
@@ -1687,7 +1578,7 @@
     </p:spTree>
     <p:extLst>
       <p:ext uri="{BB962C8B-B14F-4D97-AF65-F5344CB8AC3E}">
-        <p14:creationId xmlns:p14="http://schemas.microsoft.com/office/powerpoint/2010/main" val="2385167469"/>
+        <p14:creationId xmlns:p14="http://schemas.microsoft.com/office/powerpoint/2010/main" val="1155083863"/>
       </p:ext>
     </p:extLst>
   </p:cSld>
@@ -1794,7 +1685,7 @@
     </p:spTree>
     <p:extLst>
       <p:ext uri="{BB962C8B-B14F-4D97-AF65-F5344CB8AC3E}">
-        <p14:creationId xmlns:p14="http://schemas.microsoft.com/office/powerpoint/2010/main" val="1155083863"/>
+        <p14:creationId xmlns:p14="http://schemas.microsoft.com/office/powerpoint/2010/main" val="84265145"/>
       </p:ext>
     </p:extLst>
   </p:cSld>
@@ -1901,7 +1792,7 @@
     </p:spTree>
     <p:extLst>
       <p:ext uri="{BB962C8B-B14F-4D97-AF65-F5344CB8AC3E}">
-        <p14:creationId xmlns:p14="http://schemas.microsoft.com/office/powerpoint/2010/main" val="84265145"/>
+        <p14:creationId xmlns:p14="http://schemas.microsoft.com/office/powerpoint/2010/main" val="2677365404"/>
       </p:ext>
     </p:extLst>
   </p:cSld>
@@ -2100,7 +1991,7 @@
             <a:fld id="{B61BEF0D-F0BB-DE4B-95CE-6DB70DBA9567}" type="datetimeFigureOut">
               <a:rPr lang="en-US" dirty="0"/>
               <a:pPr/>
-              <a:t>4/5/2019</a:t>
+              <a:t>4/6/19</a:t>
             </a:fld>
             <a:endParaRPr lang="en-US" dirty="0"/>
           </a:p>
@@ -2435,7 +2326,7 @@
             <a:fld id="{B61BEF0D-F0BB-DE4B-95CE-6DB70DBA9567}" type="datetimeFigureOut">
               <a:rPr lang="en-US" dirty="0"/>
               <a:pPr/>
-              <a:t>4/5/2019</a:t>
+              <a:t>4/6/19</a:t>
             </a:fld>
             <a:endParaRPr lang="en-US" dirty="0"/>
           </a:p>
@@ -2833,7 +2724,7 @@
             <a:fld id="{B61BEF0D-F0BB-DE4B-95CE-6DB70DBA9567}" type="datetimeFigureOut">
               <a:rPr lang="en-US" dirty="0"/>
               <a:pPr/>
-              <a:t>4/5/2019</a:t>
+              <a:t>4/6/19</a:t>
             </a:fld>
             <a:endParaRPr lang="en-US" dirty="0"/>
           </a:p>
@@ -3166,7 +3057,7 @@
             <a:fld id="{B61BEF0D-F0BB-DE4B-95CE-6DB70DBA9567}" type="datetimeFigureOut">
               <a:rPr lang="en-US" dirty="0"/>
               <a:pPr/>
-              <a:t>4/5/2019</a:t>
+              <a:t>4/6/19</a:t>
             </a:fld>
             <a:endParaRPr lang="en-US" dirty="0"/>
           </a:p>
@@ -3483,7 +3374,7 @@
             <a:fld id="{B61BEF0D-F0BB-DE4B-95CE-6DB70DBA9567}" type="datetimeFigureOut">
               <a:rPr lang="en-US" dirty="0"/>
               <a:pPr/>
-              <a:t>4/5/2019</a:t>
+              <a:t>4/6/19</a:t>
             </a:fld>
             <a:endParaRPr lang="en-US" dirty="0"/>
           </a:p>
@@ -3876,7 +3767,7 @@
             <a:fld id="{B61BEF0D-F0BB-DE4B-95CE-6DB70DBA9567}" type="datetimeFigureOut">
               <a:rPr lang="en-US" dirty="0"/>
               <a:pPr/>
-              <a:t>4/5/2019</a:t>
+              <a:t>4/6/19</a:t>
             </a:fld>
             <a:endParaRPr lang="en-US" dirty="0"/>
           </a:p>
@@ -4130,7 +4021,7 @@
             <a:fld id="{B61BEF0D-F0BB-DE4B-95CE-6DB70DBA9567}" type="datetimeFigureOut">
               <a:rPr lang="en-US" dirty="0"/>
               <a:pPr/>
-              <a:t>4/5/2019</a:t>
+              <a:t>4/6/19</a:t>
             </a:fld>
             <a:endParaRPr lang="en-US" dirty="0"/>
           </a:p>
@@ -4389,7 +4280,7 @@
             <a:fld id="{B61BEF0D-F0BB-DE4B-95CE-6DB70DBA9567}" type="datetimeFigureOut">
               <a:rPr lang="en-US" dirty="0"/>
               <a:pPr/>
-              <a:t>4/5/2019</a:t>
+              <a:t>4/6/19</a:t>
             </a:fld>
             <a:endParaRPr lang="en-US" dirty="0"/>
           </a:p>
@@ -4648,7 +4539,7 @@
             <a:fld id="{B61BEF0D-F0BB-DE4B-95CE-6DB70DBA9567}" type="datetimeFigureOut">
               <a:rPr lang="en-US" dirty="0"/>
               <a:pPr/>
-              <a:t>4/5/2019</a:t>
+              <a:t>4/6/19</a:t>
             </a:fld>
             <a:endParaRPr lang="en-US" dirty="0"/>
           </a:p>
@@ -4974,7 +4865,7 @@
             <a:fld id="{B61BEF0D-F0BB-DE4B-95CE-6DB70DBA9567}" type="datetimeFigureOut">
               <a:rPr lang="en-US" dirty="0"/>
               <a:pPr/>
-              <a:t>4/5/2019</a:t>
+              <a:t>4/6/19</a:t>
             </a:fld>
             <a:endParaRPr lang="en-US" dirty="0"/>
           </a:p>
@@ -5294,7 +5185,7 @@
             <a:fld id="{B61BEF0D-F0BB-DE4B-95CE-6DB70DBA9567}" type="datetimeFigureOut">
               <a:rPr lang="en-US" dirty="0"/>
               <a:pPr/>
-              <a:t>4/5/2019</a:t>
+              <a:t>4/6/19</a:t>
             </a:fld>
             <a:endParaRPr lang="en-US" dirty="0"/>
           </a:p>
@@ -5748,7 +5639,7 @@
             <a:fld id="{B61BEF0D-F0BB-DE4B-95CE-6DB70DBA9567}" type="datetimeFigureOut">
               <a:rPr lang="en-US" dirty="0"/>
               <a:pPr/>
-              <a:t>4/5/2019</a:t>
+              <a:t>4/6/19</a:t>
             </a:fld>
             <a:endParaRPr lang="en-US" dirty="0"/>
           </a:p>
@@ -5950,7 +5841,7 @@
             <a:fld id="{B61BEF0D-F0BB-DE4B-95CE-6DB70DBA9567}" type="datetimeFigureOut">
               <a:rPr lang="en-US" dirty="0"/>
               <a:pPr/>
-              <a:t>4/5/2019</a:t>
+              <a:t>4/6/19</a:t>
             </a:fld>
             <a:endParaRPr lang="en-US" dirty="0"/>
           </a:p>
@@ -6124,7 +6015,7 @@
             <a:fld id="{B61BEF0D-F0BB-DE4B-95CE-6DB70DBA9567}" type="datetimeFigureOut">
               <a:rPr lang="en-US" dirty="0"/>
               <a:pPr/>
-              <a:t>4/5/2019</a:t>
+              <a:t>4/6/19</a:t>
             </a:fld>
             <a:endParaRPr lang="en-US" dirty="0"/>
           </a:p>
@@ -6454,7 +6345,7 @@
             <a:fld id="{B61BEF0D-F0BB-DE4B-95CE-6DB70DBA9567}" type="datetimeFigureOut">
               <a:rPr lang="en-US" dirty="0"/>
               <a:pPr/>
-              <a:t>4/5/2019</a:t>
+              <a:t>4/6/19</a:t>
             </a:fld>
             <a:endParaRPr lang="en-US" dirty="0"/>
           </a:p>
@@ -6796,7 +6687,7 @@
             <a:fld id="{B61BEF0D-F0BB-DE4B-95CE-6DB70DBA9567}" type="datetimeFigureOut">
               <a:rPr lang="en-US" dirty="0"/>
               <a:pPr/>
-              <a:t>4/5/2019</a:t>
+              <a:t>4/6/19</a:t>
             </a:fld>
             <a:endParaRPr lang="en-US" dirty="0"/>
           </a:p>
@@ -8910,7 +8801,7 @@
             <a:fld id="{B61BEF0D-F0BB-DE4B-95CE-6DB70DBA9567}" type="datetimeFigureOut">
               <a:rPr lang="en-US" dirty="0"/>
               <a:pPr/>
-              <a:t>4/5/2019</a:t>
+              <a:t>4/6/19</a:t>
             </a:fld>
             <a:endParaRPr lang="en-US" dirty="0"/>
           </a:p>
@@ -9520,8 +9411,13 @@
           <a:p>
             <a:r>
               <a:rPr lang="en-US" dirty="0"/>
-              <a:t>4. Findings -6</a:t>
-            </a:r>
+              <a:t>4. </a:t>
+            </a:r>
+            <a:r>
+              <a:rPr lang="en-US" dirty="0" smtClean="0"/>
+              <a:t>Findings</a:t>
+            </a:r>
+            <a:endParaRPr lang="en-US" dirty="0"/>
           </a:p>
         </p:txBody>
       </p:sp>
@@ -9548,9 +9444,129 @@
           <a:lstStyle/>
           <a:p>
             <a:r>
+              <a:rPr lang="en-US" b="1" dirty="0"/>
+              <a:t>Original Question:</a:t>
+            </a:r>
+          </a:p>
+          <a:p>
+            <a:pPr lvl="1"/>
+            <a:r>
               <a:rPr lang="en-US" dirty="0"/>
-              <a:t>Attach graphs here</a:t>
-            </a:r>
+              <a:t>How much is the average mortgage price in Loop? </a:t>
+            </a:r>
+            <a:r>
+              <a:rPr lang="ja-JP" altLang="en-US" dirty="0">
+                <a:solidFill>
+                  <a:srgbClr val="FF0000"/>
+                </a:solidFill>
+              </a:rPr>
+              <a:t>▷ </a:t>
+            </a:r>
+            <a:r>
+              <a:rPr lang="en-US" altLang="ja-JP" dirty="0">
+                <a:solidFill>
+                  <a:srgbClr val="FF0000"/>
+                </a:solidFill>
+              </a:rPr>
+              <a:t>Add number later </a:t>
+            </a:r>
+            <a:endParaRPr lang="en-US" dirty="0">
+              <a:solidFill>
+                <a:srgbClr val="FF0000"/>
+              </a:solidFill>
+            </a:endParaRPr>
+          </a:p>
+          <a:p>
+            <a:pPr lvl="1"/>
+            <a:r>
+              <a:rPr lang="en-US" dirty="0"/>
+              <a:t>How much does mortgage price change between summer and winter? </a:t>
+            </a:r>
+            <a:r>
+              <a:rPr lang="ja-JP" altLang="en-US" dirty="0">
+                <a:solidFill>
+                  <a:srgbClr val="FF0000"/>
+                </a:solidFill>
+              </a:rPr>
+              <a:t>▷ </a:t>
+            </a:r>
+            <a:r>
+              <a:rPr lang="en-US" altLang="ja-JP" dirty="0">
+                <a:solidFill>
+                  <a:srgbClr val="FF0000"/>
+                </a:solidFill>
+              </a:rPr>
+              <a:t>Not able to find</a:t>
+            </a:r>
+            <a:endParaRPr lang="en-US" dirty="0">
+              <a:solidFill>
+                <a:srgbClr val="FF0000"/>
+              </a:solidFill>
+            </a:endParaRPr>
+          </a:p>
+          <a:p>
+            <a:pPr lvl="1"/>
+            <a:r>
+              <a:rPr lang="en-US" dirty="0"/>
+              <a:t>Does mortgage price have trends by </a:t>
+            </a:r>
+            <a:r>
+              <a:rPr lang="en-US" dirty="0" err="1"/>
+              <a:t>Zipcode</a:t>
+            </a:r>
+            <a:r>
+              <a:rPr lang="en-US" dirty="0"/>
+              <a:t>? </a:t>
+            </a:r>
+            <a:r>
+              <a:rPr lang="ja-JP" altLang="en-US" dirty="0">
+                <a:solidFill>
+                  <a:srgbClr val="FF0000"/>
+                </a:solidFill>
+              </a:rPr>
+              <a:t>▷ </a:t>
+            </a:r>
+            <a:r>
+              <a:rPr lang="en-US" altLang="ja-JP" dirty="0">
+                <a:solidFill>
+                  <a:srgbClr val="FF0000"/>
+                </a:solidFill>
+              </a:rPr>
+              <a:t>To some extent but not as expected</a:t>
+            </a:r>
+            <a:endParaRPr lang="en-US" dirty="0">
+              <a:solidFill>
+                <a:srgbClr val="FF0000"/>
+              </a:solidFill>
+            </a:endParaRPr>
+          </a:p>
+          <a:p>
+            <a:pPr lvl="1"/>
+            <a:r>
+              <a:rPr lang="en-US" dirty="0"/>
+              <a:t>How number of rooms, foot, or build year in a mortgage correlates with the amount? </a:t>
+            </a:r>
+            <a:r>
+              <a:rPr lang="ja-JP" altLang="en-US" dirty="0">
+                <a:solidFill>
+                  <a:srgbClr val="FF0000"/>
+                </a:solidFill>
+              </a:rPr>
+              <a:t>▷ </a:t>
+            </a:r>
+            <a:r>
+              <a:rPr lang="en-US" altLang="ja-JP" dirty="0">
+                <a:solidFill>
+                  <a:srgbClr val="FF0000"/>
+                </a:solidFill>
+              </a:rPr>
+              <a:t>number of rooms has Moderate effect against mortgage amount</a:t>
+            </a:r>
+            <a:endParaRPr lang="en-US" dirty="0">
+              <a:solidFill>
+                <a:srgbClr val="FF0000"/>
+              </a:solidFill>
+            </a:endParaRPr>
           </a:p>
           <a:p>
             <a:pPr marL="0" indent="0">
@@ -9563,7 +9579,7 @@
     </p:spTree>
     <p:extLst>
       <p:ext uri="{BB962C8B-B14F-4D97-AF65-F5344CB8AC3E}">
-        <p14:creationId xmlns:p14="http://schemas.microsoft.com/office/powerpoint/2010/main" val="2927736182"/>
+        <p14:creationId xmlns:p14="http://schemas.microsoft.com/office/powerpoint/2010/main" val="4192792578"/>
       </p:ext>
     </p:extLst>
   </p:cSld>
@@ -9612,218 +9628,6 @@
           <a:p>
             <a:r>
               <a:rPr lang="en-US" dirty="0"/>
-              <a:t>4. Findings - Summary</a:t>
-            </a:r>
-          </a:p>
-        </p:txBody>
-      </p:sp>
-      <p:sp>
-        <p:nvSpPr>
-          <p:cNvPr id="3" name="Content Placeholder 2"/>
-          <p:cNvSpPr>
-            <a:spLocks noGrp="1"/>
-          </p:cNvSpPr>
-          <p:nvPr>
-            <p:ph idx="1"/>
-          </p:nvPr>
-        </p:nvSpPr>
-        <p:spPr>
-          <a:xfrm>
-            <a:off x="989351" y="1633928"/>
-            <a:ext cx="10515261" cy="5224072"/>
-          </a:xfrm>
-        </p:spPr>
-        <p:txBody>
-          <a:bodyPr>
-            <a:normAutofit/>
-          </a:bodyPr>
-          <a:lstStyle/>
-          <a:p>
-            <a:r>
-              <a:rPr lang="en-US" b="1" dirty="0"/>
-              <a:t>Original Question:</a:t>
-            </a:r>
-          </a:p>
-          <a:p>
-            <a:pPr lvl="1"/>
-            <a:r>
-              <a:rPr lang="en-US" dirty="0"/>
-              <a:t>How much is the average mortgage price in Loop? </a:t>
-            </a:r>
-            <a:r>
-              <a:rPr lang="ja-JP" altLang="en-US" dirty="0">
-                <a:solidFill>
-                  <a:srgbClr val="FF0000"/>
-                </a:solidFill>
-              </a:rPr>
-              <a:t>▷ </a:t>
-            </a:r>
-            <a:r>
-              <a:rPr lang="en-US" altLang="ja-JP" dirty="0">
-                <a:solidFill>
-                  <a:srgbClr val="FF0000"/>
-                </a:solidFill>
-              </a:rPr>
-              <a:t>Add number later </a:t>
-            </a:r>
-            <a:endParaRPr lang="en-US" dirty="0">
-              <a:solidFill>
-                <a:srgbClr val="FF0000"/>
-              </a:solidFill>
-            </a:endParaRPr>
-          </a:p>
-          <a:p>
-            <a:pPr lvl="1"/>
-            <a:r>
-              <a:rPr lang="en-US" dirty="0"/>
-              <a:t>How much does mortgage price change between summer and winter? </a:t>
-            </a:r>
-            <a:r>
-              <a:rPr lang="ja-JP" altLang="en-US" dirty="0">
-                <a:solidFill>
-                  <a:srgbClr val="FF0000"/>
-                </a:solidFill>
-              </a:rPr>
-              <a:t>▷ </a:t>
-            </a:r>
-            <a:r>
-              <a:rPr lang="en-US" altLang="ja-JP" dirty="0">
-                <a:solidFill>
-                  <a:srgbClr val="FF0000"/>
-                </a:solidFill>
-              </a:rPr>
-              <a:t>Not able to find</a:t>
-            </a:r>
-            <a:endParaRPr lang="en-US" dirty="0">
-              <a:solidFill>
-                <a:srgbClr val="FF0000"/>
-              </a:solidFill>
-            </a:endParaRPr>
-          </a:p>
-          <a:p>
-            <a:pPr lvl="1"/>
-            <a:r>
-              <a:rPr lang="en-US" dirty="0"/>
-              <a:t>Does mortgage price have trends by </a:t>
-            </a:r>
-            <a:r>
-              <a:rPr lang="en-US" dirty="0" err="1"/>
-              <a:t>Zipcode</a:t>
-            </a:r>
-            <a:r>
-              <a:rPr lang="en-US" dirty="0"/>
-              <a:t>? </a:t>
-            </a:r>
-            <a:r>
-              <a:rPr lang="ja-JP" altLang="en-US" dirty="0">
-                <a:solidFill>
-                  <a:srgbClr val="FF0000"/>
-                </a:solidFill>
-              </a:rPr>
-              <a:t>▷ </a:t>
-            </a:r>
-            <a:r>
-              <a:rPr lang="en-US" altLang="ja-JP" dirty="0">
-                <a:solidFill>
-                  <a:srgbClr val="FF0000"/>
-                </a:solidFill>
-              </a:rPr>
-              <a:t>To some extent but not as expected</a:t>
-            </a:r>
-            <a:endParaRPr lang="en-US" dirty="0">
-              <a:solidFill>
-                <a:srgbClr val="FF0000"/>
-              </a:solidFill>
-            </a:endParaRPr>
-          </a:p>
-          <a:p>
-            <a:pPr lvl="1"/>
-            <a:r>
-              <a:rPr lang="en-US" dirty="0"/>
-              <a:t>How number of rooms, foot, or build year in a mortgage correlates with the amount? </a:t>
-            </a:r>
-            <a:r>
-              <a:rPr lang="ja-JP" altLang="en-US" dirty="0">
-                <a:solidFill>
-                  <a:srgbClr val="FF0000"/>
-                </a:solidFill>
-              </a:rPr>
-              <a:t>▷ </a:t>
-            </a:r>
-            <a:r>
-              <a:rPr lang="en-US" altLang="ja-JP" dirty="0">
-                <a:solidFill>
-                  <a:srgbClr val="FF0000"/>
-                </a:solidFill>
-              </a:rPr>
-              <a:t>number of rooms has Moderate effect against mortgage amount</a:t>
-            </a:r>
-            <a:endParaRPr lang="en-US" dirty="0">
-              <a:solidFill>
-                <a:srgbClr val="FF0000"/>
-              </a:solidFill>
-            </a:endParaRPr>
-          </a:p>
-          <a:p>
-            <a:pPr marL="0" indent="0">
-              <a:buNone/>
-            </a:pPr>
-            <a:endParaRPr lang="en-US" dirty="0"/>
-          </a:p>
-        </p:txBody>
-      </p:sp>
-    </p:spTree>
-    <p:extLst>
-      <p:ext uri="{BB962C8B-B14F-4D97-AF65-F5344CB8AC3E}">
-        <p14:creationId xmlns:p14="http://schemas.microsoft.com/office/powerpoint/2010/main" val="4192792578"/>
-      </p:ext>
-    </p:extLst>
-  </p:cSld>
-  <p:clrMapOvr>
-    <a:masterClrMapping/>
-  </p:clrMapOvr>
-</p:sld>
-</file>
-
-<file path=ppt/slides/slide12.xml><?xml version="1.0" encoding="utf-8"?>
-<p:sld xmlns:a="http://schemas.openxmlformats.org/drawingml/2006/main" xmlns:r="http://schemas.openxmlformats.org/officeDocument/2006/relationships" xmlns:p="http://schemas.openxmlformats.org/presentationml/2006/main">
-  <p:cSld>
-    <p:spTree>
-      <p:nvGrpSpPr>
-        <p:cNvPr id="1" name=""/>
-        <p:cNvGrpSpPr/>
-        <p:nvPr/>
-      </p:nvGrpSpPr>
-      <p:grpSpPr>
-        <a:xfrm>
-          <a:off x="0" y="0"/>
-          <a:ext cx="0" cy="0"/>
-          <a:chOff x="0" y="0"/>
-          <a:chExt cx="0" cy="0"/>
-        </a:xfrm>
-      </p:grpSpPr>
-      <p:sp>
-        <p:nvSpPr>
-          <p:cNvPr id="2" name="Title 1"/>
-          <p:cNvSpPr>
-            <a:spLocks noGrp="1"/>
-          </p:cNvSpPr>
-          <p:nvPr>
-            <p:ph type="title"/>
-          </p:nvPr>
-        </p:nvSpPr>
-        <p:spPr>
-          <a:xfrm>
-            <a:off x="1558603" y="353038"/>
-            <a:ext cx="8911687" cy="1280890"/>
-          </a:xfrm>
-        </p:spPr>
-        <p:txBody>
-          <a:bodyPr/>
-          <a:lstStyle/>
-          <a:p>
-            <a:r>
-              <a:rPr lang="en-US" dirty="0"/>
               <a:t>5. Post Mortem</a:t>
             </a:r>
           </a:p>
@@ -9950,7 +9754,7 @@
 </p:sld>
 </file>
 
-<file path=ppt/slides/slide13.xml><?xml version="1.0" encoding="utf-8"?>
+<file path=ppt/slides/slide12.xml><?xml version="1.0" encoding="utf-8"?>
 <p:sld xmlns:a="http://schemas.openxmlformats.org/drawingml/2006/main" xmlns:r="http://schemas.openxmlformats.org/officeDocument/2006/relationships" xmlns:p="http://schemas.openxmlformats.org/presentationml/2006/main">
   <p:cSld>
     <p:spTree>
@@ -10389,41 +10193,49 @@
           <a:p>
             <a:r>
               <a:rPr lang="en-US" dirty="0"/>
-              <a:t>3. Data Analysis</a:t>
-            </a:r>
-          </a:p>
-        </p:txBody>
-      </p:sp>
-      <p:sp>
-        <p:nvSpPr>
-          <p:cNvPr id="3" name="Content Placeholder 2"/>
-          <p:cNvSpPr>
-            <a:spLocks noGrp="1"/>
-          </p:cNvSpPr>
+              <a:t>3</a:t>
+            </a:r>
+            <a:r>
+              <a:rPr lang="en-US" dirty="0" smtClean="0"/>
+              <a:t>. Data Analysis</a:t>
+            </a:r>
+            <a:endParaRPr lang="en-US" dirty="0"/>
+          </a:p>
+        </p:txBody>
+      </p:sp>
+      <p:pic>
+        <p:nvPicPr>
+          <p:cNvPr id="4" name="Content Placeholder 3"/>
+          <p:cNvPicPr>
+            <a:picLocks noGrp="1" noChangeAspect="1"/>
+          </p:cNvPicPr>
           <p:nvPr>
             <p:ph idx="1"/>
           </p:nvPr>
-        </p:nvSpPr>
+        </p:nvPicPr>
+        <p:blipFill>
+          <a:blip r:embed="rId3">
+            <a:extLst>
+              <a:ext uri="{28A0092B-C50C-407E-A947-70E740481C1C}">
+                <a14:useLocalDpi xmlns:a14="http://schemas.microsoft.com/office/drawing/2010/main" val="0"/>
+              </a:ext>
+            </a:extLst>
+          </a:blip>
+          <a:stretch>
+            <a:fillRect/>
+          </a:stretch>
+        </p:blipFill>
         <p:spPr>
           <a:xfrm>
-            <a:off x="989351" y="1633928"/>
-            <a:ext cx="10515261" cy="5224072"/>
+            <a:off x="3503613" y="2416969"/>
+            <a:ext cx="5486400" cy="3657600"/>
           </a:xfrm>
         </p:spPr>
-        <p:txBody>
-          <a:bodyPr>
-            <a:normAutofit/>
-          </a:bodyPr>
-          <a:lstStyle/>
-          <a:p>
-            <a:endParaRPr lang="en-US" dirty="0"/>
-          </a:p>
-        </p:txBody>
-      </p:sp>
+      </p:pic>
     </p:spTree>
     <p:extLst>
       <p:ext uri="{BB962C8B-B14F-4D97-AF65-F5344CB8AC3E}">
-        <p14:creationId xmlns:p14="http://schemas.microsoft.com/office/powerpoint/2010/main" val="1798222591"/>
+        <p14:creationId xmlns:p14="http://schemas.microsoft.com/office/powerpoint/2010/main" val="1970331882"/>
       </p:ext>
     </p:extLst>
   </p:cSld>
@@ -10472,8 +10284,9 @@
           <a:p>
             <a:r>
               <a:rPr lang="en-US" dirty="0"/>
-              <a:t>4. Findings -1</a:t>
-            </a:r>
+              <a:t>3. Data Analysis</a:t>
+            </a:r>
+            <a:endParaRPr lang="en-US" dirty="0"/>
           </a:p>
         </p:txBody>
       </p:sp>
@@ -10512,10 +10325,40 @@
           </a:p>
         </p:txBody>
       </p:sp>
+      <p:pic>
+        <p:nvPicPr>
+          <p:cNvPr id="4" name="Picture 3"/>
+          <p:cNvPicPr>
+            <a:picLocks noChangeAspect="1"/>
+          </p:cNvPicPr>
+          <p:nvPr/>
+        </p:nvPicPr>
+        <p:blipFill>
+          <a:blip r:embed="rId3">
+            <a:extLst>
+              <a:ext uri="{28A0092B-C50C-407E-A947-70E740481C1C}">
+                <a14:useLocalDpi xmlns:a14="http://schemas.microsoft.com/office/drawing/2010/main" val="0"/>
+              </a:ext>
+            </a:extLst>
+          </a:blip>
+          <a:stretch>
+            <a:fillRect/>
+          </a:stretch>
+        </p:blipFill>
+        <p:spPr>
+          <a:xfrm>
+            <a:off x="3352800" y="1600200"/>
+            <a:ext cx="5486400" cy="3657600"/>
+          </a:xfrm>
+          <a:prstGeom prst="rect">
+            <a:avLst/>
+          </a:prstGeom>
+        </p:spPr>
+      </p:pic>
     </p:spTree>
     <p:extLst>
       <p:ext uri="{BB962C8B-B14F-4D97-AF65-F5344CB8AC3E}">
-        <p14:creationId xmlns:p14="http://schemas.microsoft.com/office/powerpoint/2010/main" val="1970331882"/>
+        <p14:creationId xmlns:p14="http://schemas.microsoft.com/office/powerpoint/2010/main" val="2484892816"/>
       </p:ext>
     </p:extLst>
   </p:cSld>
@@ -10564,50 +10407,48 @@
           <a:p>
             <a:r>
               <a:rPr lang="en-US" dirty="0"/>
-              <a:t>4. Findings -2</a:t>
-            </a:r>
-          </a:p>
-        </p:txBody>
-      </p:sp>
-      <p:sp>
-        <p:nvSpPr>
-          <p:cNvPr id="3" name="Content Placeholder 2"/>
-          <p:cNvSpPr>
-            <a:spLocks noGrp="1"/>
-          </p:cNvSpPr>
+              <a:t>3. Data Analysis</a:t>
+            </a:r>
+            <a:endParaRPr lang="en-US" dirty="0"/>
+          </a:p>
+        </p:txBody>
+      </p:sp>
+      <p:pic>
+        <p:nvPicPr>
+          <p:cNvPr id="5" name="Content Placeholder 4"/>
+          <p:cNvPicPr>
+            <a:picLocks noGrp="1" noChangeAspect="1"/>
+          </p:cNvPicPr>
           <p:nvPr>
             <p:ph idx="1"/>
           </p:nvPr>
-        </p:nvSpPr>
+        </p:nvPicPr>
+        <p:blipFill>
+          <a:blip r:embed="rId3">
+            <a:extLst>
+              <a:ext uri="{28A0092B-C50C-407E-A947-70E740481C1C}">
+                <a14:useLocalDpi xmlns:a14="http://schemas.microsoft.com/office/drawing/2010/main" val="0"/>
+              </a:ext>
+            </a:extLst>
+          </a:blip>
+          <a:stretch>
+            <a:fillRect/>
+          </a:stretch>
+        </p:blipFill>
         <p:spPr>
           <a:xfrm>
-            <a:off x="989351" y="1633928"/>
-            <a:ext cx="10515261" cy="5224072"/>
+            <a:off x="1073151" y="1447272"/>
+            <a:ext cx="10448924" cy="5224462"/>
           </a:xfrm>
+          <a:prstGeom prst="rect">
+            <a:avLst/>
+          </a:prstGeom>
         </p:spPr>
-        <p:txBody>
-          <a:bodyPr>
-            <a:normAutofit/>
-          </a:bodyPr>
-          <a:lstStyle/>
-          <a:p>
-            <a:r>
-              <a:rPr lang="en-US" dirty="0"/>
-              <a:t>Attach graphs here</a:t>
-            </a:r>
-          </a:p>
-          <a:p>
-            <a:pPr marL="0" indent="0">
-              <a:buNone/>
-            </a:pPr>
-            <a:endParaRPr lang="en-US" dirty="0"/>
-          </a:p>
-        </p:txBody>
-      </p:sp>
+      </p:pic>
     </p:spTree>
     <p:extLst>
       <p:ext uri="{BB962C8B-B14F-4D97-AF65-F5344CB8AC3E}">
-        <p14:creationId xmlns:p14="http://schemas.microsoft.com/office/powerpoint/2010/main" val="2484892816"/>
+        <p14:creationId xmlns:p14="http://schemas.microsoft.com/office/powerpoint/2010/main" val="3516052759"/>
       </p:ext>
     </p:extLst>
   </p:cSld>
@@ -10656,8 +10497,9 @@
           <a:p>
             <a:r>
               <a:rPr lang="en-US" dirty="0"/>
-              <a:t>4. Findings -3</a:t>
-            </a:r>
+              <a:t>3. Data Analysis</a:t>
+            </a:r>
+            <a:endParaRPr lang="en-US" dirty="0"/>
           </a:p>
         </p:txBody>
       </p:sp>
@@ -10684,9 +10526,18 @@
           <a:lstStyle/>
           <a:p>
             <a:r>
-              <a:rPr lang="en-US" dirty="0"/>
-              <a:t>Attach graphs here</a:t>
-            </a:r>
+              <a:rPr lang="en-US" dirty="0" smtClean="0"/>
+              <a:t>60601 only now </a:t>
+            </a:r>
+            <a:r>
+              <a:rPr lang="mr-IN" dirty="0" smtClean="0"/>
+              <a:t>–</a:t>
+            </a:r>
+            <a:r>
+              <a:rPr lang="en-US" dirty="0" smtClean="0"/>
+              <a:t> to be attached all Zip? To be considered..</a:t>
+            </a:r>
+            <a:endParaRPr lang="en-US" dirty="0"/>
           </a:p>
           <a:p>
             <a:pPr marL="0" indent="0">
@@ -10696,10 +10547,40 @@
           </a:p>
         </p:txBody>
       </p:sp>
+      <p:pic>
+        <p:nvPicPr>
+          <p:cNvPr id="4" name="Picture 3"/>
+          <p:cNvPicPr>
+            <a:picLocks noChangeAspect="1"/>
+          </p:cNvPicPr>
+          <p:nvPr/>
+        </p:nvPicPr>
+        <p:blipFill>
+          <a:blip r:embed="rId3">
+            <a:extLst>
+              <a:ext uri="{28A0092B-C50C-407E-A947-70E740481C1C}">
+                <a14:useLocalDpi xmlns:a14="http://schemas.microsoft.com/office/drawing/2010/main" val="0"/>
+              </a:ext>
+            </a:extLst>
+          </a:blip>
+          <a:stretch>
+            <a:fillRect/>
+          </a:stretch>
+        </p:blipFill>
+        <p:spPr>
+          <a:xfrm>
+            <a:off x="4777151" y="2413001"/>
+            <a:ext cx="6159500" cy="4106333"/>
+          </a:xfrm>
+          <a:prstGeom prst="rect">
+            <a:avLst/>
+          </a:prstGeom>
+        </p:spPr>
+      </p:pic>
     </p:spTree>
     <p:extLst>
       <p:ext uri="{BB962C8B-B14F-4D97-AF65-F5344CB8AC3E}">
-        <p14:creationId xmlns:p14="http://schemas.microsoft.com/office/powerpoint/2010/main" val="3516052759"/>
+        <p14:creationId xmlns:p14="http://schemas.microsoft.com/office/powerpoint/2010/main" val="3526181085"/>
       </p:ext>
     </p:extLst>
   </p:cSld>
@@ -10748,8 +10629,9 @@
           <a:p>
             <a:r>
               <a:rPr lang="en-US" dirty="0"/>
-              <a:t>4. Findings -4</a:t>
-            </a:r>
+              <a:t>3. Data Analysis</a:t>
+            </a:r>
+            <a:endParaRPr lang="en-US" dirty="0"/>
           </a:p>
         </p:txBody>
       </p:sp>
@@ -10791,7 +10673,7 @@
     </p:spTree>
     <p:extLst>
       <p:ext uri="{BB962C8B-B14F-4D97-AF65-F5344CB8AC3E}">
-        <p14:creationId xmlns:p14="http://schemas.microsoft.com/office/powerpoint/2010/main" val="3526181085"/>
+        <p14:creationId xmlns:p14="http://schemas.microsoft.com/office/powerpoint/2010/main" val="3716741417"/>
       </p:ext>
     </p:extLst>
   </p:cSld>
@@ -10840,8 +10722,9 @@
           <a:p>
             <a:r>
               <a:rPr lang="en-US" dirty="0"/>
-              <a:t>4. Findings -5</a:t>
-            </a:r>
+              <a:t>3. Data Analysis</a:t>
+            </a:r>
+            <a:endParaRPr lang="en-US" dirty="0"/>
           </a:p>
         </p:txBody>
       </p:sp>
@@ -10883,7 +10766,7 @@
     </p:spTree>
     <p:extLst>
       <p:ext uri="{BB962C8B-B14F-4D97-AF65-F5344CB8AC3E}">
-        <p14:creationId xmlns:p14="http://schemas.microsoft.com/office/powerpoint/2010/main" val="3716741417"/>
+        <p14:creationId xmlns:p14="http://schemas.microsoft.com/office/powerpoint/2010/main" val="2927736182"/>
       </p:ext>
     </p:extLst>
   </p:cSld>

--- a/Presentation - Fernanda Mina.pptx
+++ b/Presentation - Fernanda Mina.pptx
@@ -5,7 +5,7 @@
     <p:sldMasterId id="2147483648" r:id="rId1"/>
   </p:sldMasterIdLst>
   <p:notesMasterIdLst>
-    <p:notesMasterId r:id="rId14"/>
+    <p:notesMasterId r:id="rId13"/>
   </p:notesMasterIdLst>
   <p:sldIdLst>
     <p:sldId id="256" r:id="rId2"/>
@@ -16,10 +16,9 @@
     <p:sldId id="268" r:id="rId7"/>
     <p:sldId id="269" r:id="rId8"/>
     <p:sldId id="270" r:id="rId9"/>
-    <p:sldId id="271" r:id="rId10"/>
-    <p:sldId id="272" r:id="rId11"/>
-    <p:sldId id="265" r:id="rId12"/>
-    <p:sldId id="259" r:id="rId13"/>
+    <p:sldId id="272" r:id="rId10"/>
+    <p:sldId id="265" r:id="rId11"/>
+    <p:sldId id="259" r:id="rId12"/>
   </p:sldIdLst>
   <p:sldSz cx="12192000" cy="6858000"/>
   <p:notesSz cx="6858000" cy="9144000"/>
@@ -128,8 +127,50 @@
 
 <file path=ppt/commentAuthors.xml><?xml version="1.0" encoding="utf-8"?>
 <p:cmAuthorLst xmlns:a="http://schemas.openxmlformats.org/drawingml/2006/main" xmlns:r="http://schemas.openxmlformats.org/officeDocument/2006/relationships" xmlns:p="http://schemas.openxmlformats.org/presentationml/2006/main">
+  <p:cmAuthor id="7" name="imoto minami" initials="im [6]" lastIdx="1" clrIdx="6">
+    <p:extLst>
+      <p:ext uri="{19B8F6BF-5375-455C-9EA6-DF929625EA0E}">
+        <p15:presenceInfo xmlns:p15="http://schemas.microsoft.com/office/powerpoint/2012/main" userId="" providerId=""/>
+      </p:ext>
+    </p:extLst>
+  </p:cmAuthor>
   <p:cmAuthor id="1" name="IMOTO, MINAMI" initials="IM" lastIdx="1" clrIdx="0">
     <p:extLst/>
+  </p:cmAuthor>
+  <p:cmAuthor id="2" name="imoto minami" initials="im" lastIdx="1" clrIdx="1">
+    <p:extLst>
+      <p:ext uri="{19B8F6BF-5375-455C-9EA6-DF929625EA0E}">
+        <p15:presenceInfo xmlns:p15="http://schemas.microsoft.com/office/powerpoint/2012/main" userId="" providerId=""/>
+      </p:ext>
+    </p:extLst>
+  </p:cmAuthor>
+  <p:cmAuthor id="3" name="imoto minami" initials="im [2]" lastIdx="1" clrIdx="2">
+    <p:extLst>
+      <p:ext uri="{19B8F6BF-5375-455C-9EA6-DF929625EA0E}">
+        <p15:presenceInfo xmlns:p15="http://schemas.microsoft.com/office/powerpoint/2012/main" userId="" providerId=""/>
+      </p:ext>
+    </p:extLst>
+  </p:cmAuthor>
+  <p:cmAuthor id="4" name="imoto minami" initials="im [3]" lastIdx="1" clrIdx="3">
+    <p:extLst>
+      <p:ext uri="{19B8F6BF-5375-455C-9EA6-DF929625EA0E}">
+        <p15:presenceInfo xmlns:p15="http://schemas.microsoft.com/office/powerpoint/2012/main" userId="" providerId=""/>
+      </p:ext>
+    </p:extLst>
+  </p:cmAuthor>
+  <p:cmAuthor id="5" name="imoto minami" initials="im [4]" lastIdx="1" clrIdx="4">
+    <p:extLst>
+      <p:ext uri="{19B8F6BF-5375-455C-9EA6-DF929625EA0E}">
+        <p15:presenceInfo xmlns:p15="http://schemas.microsoft.com/office/powerpoint/2012/main" userId="" providerId=""/>
+      </p:ext>
+    </p:extLst>
+  </p:cmAuthor>
+  <p:cmAuthor id="6" name="imoto minami" initials="im [5]" lastIdx="1" clrIdx="5">
+    <p:extLst>
+      <p:ext uri="{19B8F6BF-5375-455C-9EA6-DF929625EA0E}">
+        <p15:presenceInfo xmlns:p15="http://schemas.microsoft.com/office/powerpoint/2012/main" userId="" providerId=""/>
+      </p:ext>
+    </p:extLst>
   </p:cmAuthor>
 </p:cmAuthorLst>
 </file>
@@ -139,6 +180,76 @@
   <p:cm authorId="1" dt="2019-04-05T15:22:25.604" idx="1">
     <p:pos x="3548" y="945"/>
     <p:text>Do you come up with any ideas of good core message or hypothesis along the questions down below?</p:text>
+    <p:extLst>
+      <p:ext uri="{C676402C-5697-4E1C-873F-D02D1690AC5C}">
+        <p15:threadingInfo xmlns:p15="http://schemas.microsoft.com/office/powerpoint/2012/main" timeZoneBias="300"/>
+      </p:ext>
+    </p:extLst>
+  </p:cm>
+</p:cmLst>
+</file>
+
+<file path=ppt/comments/comment2.xml><?xml version="1.0" encoding="utf-8"?>
+<p:cmLst xmlns:a="http://schemas.openxmlformats.org/drawingml/2006/main" xmlns:r="http://schemas.openxmlformats.org/officeDocument/2006/relationships" xmlns:p="http://schemas.openxmlformats.org/presentationml/2006/main">
+  <p:cm authorId="7" dt="2019-04-07T09:43:46.570" idx="1">
+    <p:pos x="949" y="1216"/>
+    <p:text>To be shown where is the location of each zip.</p:text>
+    <p:extLst>
+      <p:ext uri="{C676402C-5697-4E1C-873F-D02D1690AC5C}">
+        <p15:threadingInfo xmlns:p15="http://schemas.microsoft.com/office/powerpoint/2012/main" timeZoneBias="300"/>
+      </p:ext>
+    </p:extLst>
+  </p:cm>
+</p:cmLst>
+</file>
+
+<file path=ppt/comments/comment3.xml><?xml version="1.0" encoding="utf-8"?>
+<p:cmLst xmlns:a="http://schemas.openxmlformats.org/drawingml/2006/main" xmlns:r="http://schemas.openxmlformats.org/officeDocument/2006/relationships" xmlns:p="http://schemas.openxmlformats.org/presentationml/2006/main">
+  <p:cm authorId="2" dt="2019-04-06T12:44:00.286" idx="1">
+    <p:pos x="10" y="10"/>
+    <p:text>Correct Zestimate amount / 2bed2bath case / add mode / std dv check</p:text>
+    <p:extLst>
+      <p:ext uri="{C676402C-5697-4E1C-873F-D02D1690AC5C}">
+        <p15:threadingInfo xmlns:p15="http://schemas.microsoft.com/office/powerpoint/2012/main" timeZoneBias="300"/>
+      </p:ext>
+    </p:extLst>
+  </p:cm>
+</p:cmLst>
+</file>
+
+<file path=ppt/comments/comment4.xml><?xml version="1.0" encoding="utf-8"?>
+<p:cmLst xmlns:a="http://schemas.openxmlformats.org/drawingml/2006/main" xmlns:r="http://schemas.openxmlformats.org/officeDocument/2006/relationships" xmlns:p="http://schemas.openxmlformats.org/presentationml/2006/main">
+  <p:cm authorId="3" dt="2019-04-06T12:53:35.148" idx="1">
+    <p:pos x="10" y="10"/>
+    <p:text>Med / Median</p:text>
+    <p:extLst>
+      <p:ext uri="{C676402C-5697-4E1C-873F-D02D1690AC5C}">
+        <p15:threadingInfo xmlns:p15="http://schemas.microsoft.com/office/powerpoint/2012/main" timeZoneBias="300"/>
+      </p:ext>
+    </p:extLst>
+  </p:cm>
+</p:cmLst>
+</file>
+
+<file path=ppt/comments/comment5.xml><?xml version="1.0" encoding="utf-8"?>
+<p:cmLst xmlns:a="http://schemas.openxmlformats.org/drawingml/2006/main" xmlns:r="http://schemas.openxmlformats.org/officeDocument/2006/relationships" xmlns:p="http://schemas.openxmlformats.org/presentationml/2006/main">
+  <p:cm authorId="5" dt="2019-04-06T12:54:26.156" idx="1">
+    <p:pos x="10" y="10"/>
+    <p:text>Change formatting / p-value </p:text>
+    <p:extLst>
+      <p:ext uri="{C676402C-5697-4E1C-873F-D02D1690AC5C}">
+        <p15:threadingInfo xmlns:p15="http://schemas.microsoft.com/office/powerpoint/2012/main" timeZoneBias="300"/>
+      </p:ext>
+    </p:extLst>
+  </p:cm>
+</p:cmLst>
+</file>
+
+<file path=ppt/comments/comment6.xml><?xml version="1.0" encoding="utf-8"?>
+<p:cmLst xmlns:a="http://schemas.openxmlformats.org/drawingml/2006/main" xmlns:r="http://schemas.openxmlformats.org/officeDocument/2006/relationships" xmlns:p="http://schemas.openxmlformats.org/presentationml/2006/main">
+  <p:cm authorId="6" dt="2019-04-06T12:54:54.768" idx="1">
+    <p:pos x="10" y="10"/>
+    <p:text>Correct data since being weird having 0 values (or does it 20K-30K?)</p:text>
     <p:extLst>
       <p:ext uri="{C676402C-5697-4E1C-873F-D02D1690AC5C}">
         <p15:threadingInfo xmlns:p15="http://schemas.microsoft.com/office/powerpoint/2012/main" timeZoneBias="300"/>
@@ -789,18 +900,6 @@
           <a:bodyPr/>
           <a:lstStyle/>
           <a:p>
-            <a:r>
-              <a:rPr lang="en-US" dirty="0"/>
-              <a:t>Discuss any difficulties that arose, and how you dealt with them</a:t>
-            </a:r>
-          </a:p>
-          <a:p>
-            <a:r>
-              <a:rPr lang="en-US" dirty="0"/>
-              <a:t>Discuss any additional questions that came up, but which you didn't have time to answer: What would you research next, if you had two more weeks?</a:t>
-            </a:r>
-          </a:p>
-          <a:p>
             <a:endParaRPr lang="en-US" dirty="0"/>
           </a:p>
         </p:txBody>
@@ -823,90 +922,6 @@
             <a:fld id="{C25B5FBD-C659-164E-A3B4-92699C293068}" type="slidenum">
               <a:rPr lang="en-US" smtClean="0"/>
               <a:t>11</a:t>
-            </a:fld>
-            <a:endParaRPr lang="en-US"/>
-          </a:p>
-        </p:txBody>
-      </p:sp>
-    </p:spTree>
-    <p:extLst>
-      <p:ext uri="{BB962C8B-B14F-4D97-AF65-F5344CB8AC3E}">
-        <p14:creationId xmlns:p14="http://schemas.microsoft.com/office/powerpoint/2010/main" val="1704802398"/>
-      </p:ext>
-    </p:extLst>
-  </p:cSld>
-  <p:clrMapOvr>
-    <a:masterClrMapping/>
-  </p:clrMapOvr>
-</p:notes>
-</file>
-
-<file path=ppt/notesSlides/notesSlide11.xml><?xml version="1.0" encoding="utf-8"?>
-<p:notes xmlns:a="http://schemas.openxmlformats.org/drawingml/2006/main" xmlns:r="http://schemas.openxmlformats.org/officeDocument/2006/relationships" xmlns:p="http://schemas.openxmlformats.org/presentationml/2006/main">
-  <p:cSld>
-    <p:spTree>
-      <p:nvGrpSpPr>
-        <p:cNvPr id="1" name=""/>
-        <p:cNvGrpSpPr/>
-        <p:nvPr/>
-      </p:nvGrpSpPr>
-      <p:grpSpPr>
-        <a:xfrm>
-          <a:off x="0" y="0"/>
-          <a:ext cx="0" cy="0"/>
-          <a:chOff x="0" y="0"/>
-          <a:chExt cx="0" cy="0"/>
-        </a:xfrm>
-      </p:grpSpPr>
-      <p:sp>
-        <p:nvSpPr>
-          <p:cNvPr id="2" name="Slide Image Placeholder 1"/>
-          <p:cNvSpPr>
-            <a:spLocks noGrp="1" noRot="1" noChangeAspect="1"/>
-          </p:cNvSpPr>
-          <p:nvPr>
-            <p:ph type="sldImg"/>
-          </p:nvPr>
-        </p:nvSpPr>
-        <p:spPr/>
-      </p:sp>
-      <p:sp>
-        <p:nvSpPr>
-          <p:cNvPr id="3" name="Notes Placeholder 2"/>
-          <p:cNvSpPr>
-            <a:spLocks noGrp="1"/>
-          </p:cNvSpPr>
-          <p:nvPr>
-            <p:ph type="body" idx="1"/>
-          </p:nvPr>
-        </p:nvSpPr>
-        <p:spPr/>
-        <p:txBody>
-          <a:bodyPr/>
-          <a:lstStyle/>
-          <a:p>
-            <a:endParaRPr lang="en-US" dirty="0"/>
-          </a:p>
-        </p:txBody>
-      </p:sp>
-      <p:sp>
-        <p:nvSpPr>
-          <p:cNvPr id="4" name="Slide Number Placeholder 3"/>
-          <p:cNvSpPr>
-            <a:spLocks noGrp="1"/>
-          </p:cNvSpPr>
-          <p:nvPr>
-            <p:ph type="sldNum" sz="quarter" idx="5"/>
-          </p:nvPr>
-        </p:nvSpPr>
-        <p:spPr/>
-        <p:txBody>
-          <a:bodyPr/>
-          <a:lstStyle/>
-          <a:p>
-            <a:fld id="{C25B5FBD-C659-164E-A3B4-92699C293068}" type="slidenum">
-              <a:rPr lang="en-US" smtClean="0"/>
-              <a:t>12</a:t>
             </a:fld>
             <a:endParaRPr lang="en-US"/>
           </a:p>
@@ -1116,8 +1131,87 @@
             </a:pPr>
             <a:r>
               <a:rPr lang="en-US" dirty="0"/>
-              <a:t>Did you find what you expected to find? If not, why not? What inferences or general conclusions can you draw from your analysis?</a:t>
-            </a:r>
+              <a:t>Did you find what you expected to find? If not, why not? What inferences or general conclusions can you draw from your analysis</a:t>
+            </a:r>
+            <a:r>
+              <a:rPr lang="en-US" dirty="0" smtClean="0"/>
+              <a:t>?</a:t>
+            </a:r>
+          </a:p>
+          <a:p>
+            <a:pPr marL="0" marR="0" lvl="0" indent="0" algn="l" defTabSz="914400" rtl="0" eaLnBrk="1" fontAlgn="auto" latinLnBrk="0" hangingPunct="1">
+              <a:lnSpc>
+                <a:spcPct val="100000"/>
+              </a:lnSpc>
+              <a:spcBef>
+                <a:spcPts val="0"/>
+              </a:spcBef>
+              <a:spcAft>
+                <a:spcPts val="0"/>
+              </a:spcAft>
+              <a:buClrTx/>
+              <a:buSzTx/>
+              <a:buFontTx/>
+              <a:buNone/>
+              <a:tabLst/>
+              <a:defRPr/>
+            </a:pPr>
+            <a:endParaRPr lang="en-US" dirty="0" smtClean="0"/>
+          </a:p>
+          <a:p>
+            <a:pPr marL="0" marR="0" lvl="0" indent="0" algn="l" defTabSz="914400" rtl="0" eaLnBrk="1" fontAlgn="auto" latinLnBrk="0" hangingPunct="1">
+              <a:lnSpc>
+                <a:spcPct val="100000"/>
+              </a:lnSpc>
+              <a:spcBef>
+                <a:spcPts val="0"/>
+              </a:spcBef>
+              <a:spcAft>
+                <a:spcPts val="0"/>
+              </a:spcAft>
+              <a:buClrTx/>
+              <a:buSzTx/>
+              <a:buFontTx/>
+              <a:buNone/>
+              <a:tabLst/>
+              <a:defRPr/>
+            </a:pPr>
+            <a:r>
+              <a:rPr lang="en-US" dirty="0" err="1" smtClean="0"/>
+              <a:t>Zestimate</a:t>
+            </a:r>
+            <a:r>
+              <a:rPr lang="en-US" baseline="0" dirty="0" smtClean="0"/>
+              <a:t> amount in loop is 360K as average and 465K as median</a:t>
+            </a:r>
+          </a:p>
+          <a:p>
+            <a:pPr marL="0" marR="0" lvl="0" indent="0" algn="l" defTabSz="914400" rtl="0" eaLnBrk="1" fontAlgn="auto" latinLnBrk="0" hangingPunct="1">
+              <a:lnSpc>
+                <a:spcPct val="100000"/>
+              </a:lnSpc>
+              <a:spcBef>
+                <a:spcPts val="0"/>
+              </a:spcBef>
+              <a:spcAft>
+                <a:spcPts val="0"/>
+              </a:spcAft>
+              <a:buClrTx/>
+              <a:buSzTx/>
+              <a:buFontTx/>
+              <a:buNone/>
+              <a:tabLst/>
+              <a:defRPr/>
+            </a:pPr>
+            <a:r>
+              <a:rPr lang="en-US" baseline="0" dirty="0" err="1" smtClean="0"/>
+              <a:t>Std</a:t>
+            </a:r>
+            <a:r>
+              <a:rPr lang="en-US" baseline="0" dirty="0" smtClean="0"/>
+              <a:t> dev check</a:t>
+            </a:r>
+            <a:endParaRPr lang="en-US" dirty="0"/>
           </a:p>
           <a:p>
             <a:endParaRPr lang="en-US" dirty="0"/>
@@ -1330,8 +1424,153 @@
             </a:pPr>
             <a:r>
               <a:rPr lang="en-US" dirty="0"/>
-              <a:t>Did you find what you expected to find? If not, why not? What inferences or general conclusions can you draw from your analysis?</a:t>
-            </a:r>
+              <a:t>Did you find what you expected to find? If not, why not? What inferences or general conclusions can you draw from your analysis</a:t>
+            </a:r>
+            <a:r>
+              <a:rPr lang="en-US" dirty="0" smtClean="0"/>
+              <a:t>?</a:t>
+            </a:r>
+          </a:p>
+          <a:p>
+            <a:pPr marL="0" marR="0" lvl="0" indent="0" algn="l" defTabSz="914400" rtl="0" eaLnBrk="1" fontAlgn="auto" latinLnBrk="0" hangingPunct="1">
+              <a:lnSpc>
+                <a:spcPct val="100000"/>
+              </a:lnSpc>
+              <a:spcBef>
+                <a:spcPts val="0"/>
+              </a:spcBef>
+              <a:spcAft>
+                <a:spcPts val="0"/>
+              </a:spcAft>
+              <a:buClrTx/>
+              <a:buSzTx/>
+              <a:buFontTx/>
+              <a:buNone/>
+              <a:tabLst/>
+              <a:defRPr/>
+            </a:pPr>
+            <a:endParaRPr lang="en-US" dirty="0" smtClean="0"/>
+          </a:p>
+          <a:p>
+            <a:pPr marL="0" marR="0" lvl="0" indent="0" algn="l" defTabSz="914400" rtl="0" eaLnBrk="1" fontAlgn="auto" latinLnBrk="0" hangingPunct="1">
+              <a:lnSpc>
+                <a:spcPct val="100000"/>
+              </a:lnSpc>
+              <a:spcBef>
+                <a:spcPts val="0"/>
+              </a:spcBef>
+              <a:spcAft>
+                <a:spcPts val="0"/>
+              </a:spcAft>
+              <a:buClrTx/>
+              <a:buSzTx/>
+              <a:buFontTx/>
+              <a:buNone/>
+              <a:tabLst/>
+              <a:defRPr/>
+            </a:pPr>
+            <a:r>
+              <a:rPr lang="en-US" dirty="0" smtClean="0"/>
+              <a:t>South loop</a:t>
+            </a:r>
+            <a:r>
+              <a:rPr lang="en-US" baseline="0" dirty="0" smtClean="0"/>
+              <a:t> is the most reasonable option in Loop with lowest median, lowest first quartile</a:t>
+            </a:r>
+          </a:p>
+          <a:p>
+            <a:pPr marL="0" marR="0" lvl="0" indent="0" algn="l" defTabSz="914400" rtl="0" eaLnBrk="1" fontAlgn="auto" latinLnBrk="0" hangingPunct="1">
+              <a:lnSpc>
+                <a:spcPct val="100000"/>
+              </a:lnSpc>
+              <a:spcBef>
+                <a:spcPts val="0"/>
+              </a:spcBef>
+              <a:spcAft>
+                <a:spcPts val="0"/>
+              </a:spcAft>
+              <a:buClrTx/>
+              <a:buSzTx/>
+              <a:buFontTx/>
+              <a:buNone/>
+              <a:tabLst/>
+              <a:defRPr/>
+            </a:pPr>
+            <a:r>
+              <a:rPr lang="en-US" baseline="0" dirty="0" smtClean="0"/>
+              <a:t>60603 -? Is the most expensive area in Loop.</a:t>
+            </a:r>
+          </a:p>
+          <a:p>
+            <a:pPr marL="0" marR="0" lvl="0" indent="0" algn="l" defTabSz="914400" rtl="0" eaLnBrk="1" fontAlgn="auto" latinLnBrk="0" hangingPunct="1">
+              <a:lnSpc>
+                <a:spcPct val="100000"/>
+              </a:lnSpc>
+              <a:spcBef>
+                <a:spcPts val="0"/>
+              </a:spcBef>
+              <a:spcAft>
+                <a:spcPts val="0"/>
+              </a:spcAft>
+              <a:buClrTx/>
+              <a:buSzTx/>
+              <a:buFontTx/>
+              <a:buNone/>
+              <a:tabLst/>
+              <a:defRPr/>
+            </a:pPr>
+            <a:r>
+              <a:rPr lang="en-US" baseline="0" dirty="0" smtClean="0"/>
+              <a:t>400K </a:t>
+            </a:r>
+            <a:r>
+              <a:rPr lang="mr-IN" baseline="0" dirty="0" smtClean="0"/>
+              <a:t>–</a:t>
+            </a:r>
+            <a:r>
+              <a:rPr lang="en-US" baseline="0" dirty="0" smtClean="0"/>
+              <a:t> 700K </a:t>
+            </a:r>
+          </a:p>
+          <a:p>
+            <a:pPr marL="0" marR="0" lvl="0" indent="0" algn="l" defTabSz="914400" rtl="0" eaLnBrk="1" fontAlgn="auto" latinLnBrk="0" hangingPunct="1">
+              <a:lnSpc>
+                <a:spcPct val="100000"/>
+              </a:lnSpc>
+              <a:spcBef>
+                <a:spcPts val="0"/>
+              </a:spcBef>
+              <a:spcAft>
+                <a:spcPts val="0"/>
+              </a:spcAft>
+              <a:buClrTx/>
+              <a:buSzTx/>
+              <a:buFontTx/>
+              <a:buNone/>
+              <a:tabLst/>
+              <a:defRPr/>
+            </a:pPr>
+            <a:endParaRPr lang="en-US" baseline="0" dirty="0" smtClean="0"/>
+          </a:p>
+          <a:p>
+            <a:pPr marL="0" marR="0" lvl="0" indent="0" algn="l" defTabSz="914400" rtl="0" eaLnBrk="1" fontAlgn="auto" latinLnBrk="0" hangingPunct="1">
+              <a:lnSpc>
+                <a:spcPct val="100000"/>
+              </a:lnSpc>
+              <a:spcBef>
+                <a:spcPts val="0"/>
+              </a:spcBef>
+              <a:spcAft>
+                <a:spcPts val="0"/>
+              </a:spcAft>
+              <a:buClrTx/>
+              <a:buSzTx/>
+              <a:buFontTx/>
+              <a:buNone/>
+              <a:tabLst/>
+              <a:defRPr/>
+            </a:pPr>
+            <a:endParaRPr lang="en-US" dirty="0"/>
           </a:p>
           <a:p>
             <a:endParaRPr lang="en-US" dirty="0"/>
@@ -1437,8 +1676,80 @@
             </a:pPr>
             <a:r>
               <a:rPr lang="en-US" dirty="0"/>
-              <a:t>Did you find what you expected to find? If not, why not? What inferences or general conclusions can you draw from your analysis?</a:t>
-            </a:r>
+              <a:t>Did you find what you expected to find? If not, why not? What inferences or general conclusions can you draw from your analysis</a:t>
+            </a:r>
+            <a:r>
+              <a:rPr lang="en-US" dirty="0" smtClean="0"/>
+              <a:t>?</a:t>
+            </a:r>
+          </a:p>
+          <a:p>
+            <a:pPr marL="0" marR="0" lvl="0" indent="0" algn="l" defTabSz="914400" rtl="0" eaLnBrk="1" fontAlgn="auto" latinLnBrk="0" hangingPunct="1">
+              <a:lnSpc>
+                <a:spcPct val="100000"/>
+              </a:lnSpc>
+              <a:spcBef>
+                <a:spcPts val="0"/>
+              </a:spcBef>
+              <a:spcAft>
+                <a:spcPts val="0"/>
+              </a:spcAft>
+              <a:buClrTx/>
+              <a:buSzTx/>
+              <a:buFontTx/>
+              <a:buNone/>
+              <a:tabLst/>
+              <a:defRPr/>
+            </a:pPr>
+            <a:endParaRPr lang="en-US" dirty="0" smtClean="0"/>
+          </a:p>
+          <a:p>
+            <a:pPr marL="0" marR="0" lvl="0" indent="0" algn="l" defTabSz="914400" rtl="0" eaLnBrk="1" fontAlgn="auto" latinLnBrk="0" hangingPunct="1">
+              <a:lnSpc>
+                <a:spcPct val="100000"/>
+              </a:lnSpc>
+              <a:spcBef>
+                <a:spcPts val="0"/>
+              </a:spcBef>
+              <a:spcAft>
+                <a:spcPts val="0"/>
+              </a:spcAft>
+              <a:buClrTx/>
+              <a:buSzTx/>
+              <a:buFontTx/>
+              <a:buNone/>
+              <a:tabLst/>
+              <a:defRPr/>
+            </a:pPr>
+            <a:endParaRPr lang="en-US" dirty="0" smtClean="0"/>
+          </a:p>
+          <a:p>
+            <a:pPr marL="0" marR="0" lvl="0" indent="0" algn="l" defTabSz="914400" rtl="0" eaLnBrk="1" fontAlgn="auto" latinLnBrk="0" hangingPunct="1">
+              <a:lnSpc>
+                <a:spcPct val="100000"/>
+              </a:lnSpc>
+              <a:spcBef>
+                <a:spcPts val="0"/>
+              </a:spcBef>
+              <a:spcAft>
+                <a:spcPts val="0"/>
+              </a:spcAft>
+              <a:buClrTx/>
+              <a:buSzTx/>
+              <a:buFontTx/>
+              <a:buNone/>
+              <a:tabLst/>
+              <a:defRPr/>
+            </a:pPr>
+            <a:r>
+              <a:rPr lang="en-US" dirty="0" smtClean="0"/>
+              <a:t>Why 3 bed rooms have</a:t>
+            </a:r>
+            <a:r>
+              <a:rPr lang="en-US" baseline="0" dirty="0" smtClean="0"/>
+              <a:t> some no value here? Should be excluded 0 value.</a:t>
+            </a:r>
+            <a:endParaRPr lang="en-US" dirty="0"/>
           </a:p>
           <a:p>
             <a:endParaRPr lang="en-US" dirty="0"/>
@@ -1685,7 +1996,7 @@
     </p:spTree>
     <p:extLst>
       <p:ext uri="{BB962C8B-B14F-4D97-AF65-F5344CB8AC3E}">
-        <p14:creationId xmlns:p14="http://schemas.microsoft.com/office/powerpoint/2010/main" val="84265145"/>
+        <p14:creationId xmlns:p14="http://schemas.microsoft.com/office/powerpoint/2010/main" val="2677365404"/>
       </p:ext>
     </p:extLst>
   </p:cSld>
@@ -1739,26 +2050,15 @@
           <a:bodyPr/>
           <a:lstStyle/>
           <a:p>
-            <a:pPr marL="0" marR="0" lvl="0" indent="0" algn="l" defTabSz="914400" rtl="0" eaLnBrk="1" fontAlgn="auto" latinLnBrk="0" hangingPunct="1">
-              <a:lnSpc>
-                <a:spcPct val="100000"/>
-              </a:lnSpc>
-              <a:spcBef>
-                <a:spcPts val="0"/>
-              </a:spcBef>
-              <a:spcAft>
-                <a:spcPts val="0"/>
-              </a:spcAft>
-              <a:buClrTx/>
-              <a:buSzTx/>
-              <a:buFontTx/>
-              <a:buNone/>
-              <a:tabLst/>
-              <a:defRPr/>
-            </a:pPr>
             <a:r>
               <a:rPr lang="en-US" dirty="0"/>
-              <a:t>Did you find what you expected to find? If not, why not? What inferences or general conclusions can you draw from your analysis?</a:t>
+              <a:t>Discuss any difficulties that arose, and how you dealt with them</a:t>
+            </a:r>
+          </a:p>
+          <a:p>
+            <a:r>
+              <a:rPr lang="en-US" dirty="0"/>
+              <a:t>Discuss any additional questions that came up, but which you didn't have time to answer: What would you research next, if you had two more weeks?</a:t>
             </a:r>
           </a:p>
           <a:p>
@@ -1792,7 +2092,7 @@
     </p:spTree>
     <p:extLst>
       <p:ext uri="{BB962C8B-B14F-4D97-AF65-F5344CB8AC3E}">
-        <p14:creationId xmlns:p14="http://schemas.microsoft.com/office/powerpoint/2010/main" val="2677365404"/>
+        <p14:creationId xmlns:p14="http://schemas.microsoft.com/office/powerpoint/2010/main" val="1704802398"/>
       </p:ext>
     </p:extLst>
   </p:cSld>
@@ -9411,13 +9711,8 @@
           <a:p>
             <a:r>
               <a:rPr lang="en-US" dirty="0"/>
-              <a:t>4. </a:t>
-            </a:r>
-            <a:r>
-              <a:rPr lang="en-US" dirty="0" smtClean="0"/>
-              <a:t>Findings</a:t>
-            </a:r>
-            <a:endParaRPr lang="en-US" dirty="0"/>
+              <a:t>5. Post Mortem</a:t>
+            </a:r>
           </a:p>
         </p:txBody>
       </p:sp>
@@ -9444,218 +9739,6 @@
           <a:lstStyle/>
           <a:p>
             <a:r>
-              <a:rPr lang="en-US" b="1" dirty="0"/>
-              <a:t>Original Question:</a:t>
-            </a:r>
-          </a:p>
-          <a:p>
-            <a:pPr lvl="1"/>
-            <a:r>
-              <a:rPr lang="en-US" dirty="0"/>
-              <a:t>How much is the average mortgage price in Loop? </a:t>
-            </a:r>
-            <a:r>
-              <a:rPr lang="ja-JP" altLang="en-US" dirty="0">
-                <a:solidFill>
-                  <a:srgbClr val="FF0000"/>
-                </a:solidFill>
-              </a:rPr>
-              <a:t>▷ </a:t>
-            </a:r>
-            <a:r>
-              <a:rPr lang="en-US" altLang="ja-JP" dirty="0">
-                <a:solidFill>
-                  <a:srgbClr val="FF0000"/>
-                </a:solidFill>
-              </a:rPr>
-              <a:t>Add number later </a:t>
-            </a:r>
-            <a:endParaRPr lang="en-US" dirty="0">
-              <a:solidFill>
-                <a:srgbClr val="FF0000"/>
-              </a:solidFill>
-            </a:endParaRPr>
-          </a:p>
-          <a:p>
-            <a:pPr lvl="1"/>
-            <a:r>
-              <a:rPr lang="en-US" dirty="0"/>
-              <a:t>How much does mortgage price change between summer and winter? </a:t>
-            </a:r>
-            <a:r>
-              <a:rPr lang="ja-JP" altLang="en-US" dirty="0">
-                <a:solidFill>
-                  <a:srgbClr val="FF0000"/>
-                </a:solidFill>
-              </a:rPr>
-              <a:t>▷ </a:t>
-            </a:r>
-            <a:r>
-              <a:rPr lang="en-US" altLang="ja-JP" dirty="0">
-                <a:solidFill>
-                  <a:srgbClr val="FF0000"/>
-                </a:solidFill>
-              </a:rPr>
-              <a:t>Not able to find</a:t>
-            </a:r>
-            <a:endParaRPr lang="en-US" dirty="0">
-              <a:solidFill>
-                <a:srgbClr val="FF0000"/>
-              </a:solidFill>
-            </a:endParaRPr>
-          </a:p>
-          <a:p>
-            <a:pPr lvl="1"/>
-            <a:r>
-              <a:rPr lang="en-US" dirty="0"/>
-              <a:t>Does mortgage price have trends by </a:t>
-            </a:r>
-            <a:r>
-              <a:rPr lang="en-US" dirty="0" err="1"/>
-              <a:t>Zipcode</a:t>
-            </a:r>
-            <a:r>
-              <a:rPr lang="en-US" dirty="0"/>
-              <a:t>? </a:t>
-            </a:r>
-            <a:r>
-              <a:rPr lang="ja-JP" altLang="en-US" dirty="0">
-                <a:solidFill>
-                  <a:srgbClr val="FF0000"/>
-                </a:solidFill>
-              </a:rPr>
-              <a:t>▷ </a:t>
-            </a:r>
-            <a:r>
-              <a:rPr lang="en-US" altLang="ja-JP" dirty="0">
-                <a:solidFill>
-                  <a:srgbClr val="FF0000"/>
-                </a:solidFill>
-              </a:rPr>
-              <a:t>To some extent but not as expected</a:t>
-            </a:r>
-            <a:endParaRPr lang="en-US" dirty="0">
-              <a:solidFill>
-                <a:srgbClr val="FF0000"/>
-              </a:solidFill>
-            </a:endParaRPr>
-          </a:p>
-          <a:p>
-            <a:pPr lvl="1"/>
-            <a:r>
-              <a:rPr lang="en-US" dirty="0"/>
-              <a:t>How number of rooms, foot, or build year in a mortgage correlates with the amount? </a:t>
-            </a:r>
-            <a:r>
-              <a:rPr lang="ja-JP" altLang="en-US" dirty="0">
-                <a:solidFill>
-                  <a:srgbClr val="FF0000"/>
-                </a:solidFill>
-              </a:rPr>
-              <a:t>▷ </a:t>
-            </a:r>
-            <a:r>
-              <a:rPr lang="en-US" altLang="ja-JP" dirty="0">
-                <a:solidFill>
-                  <a:srgbClr val="FF0000"/>
-                </a:solidFill>
-              </a:rPr>
-              <a:t>number of rooms has Moderate effect against mortgage amount</a:t>
-            </a:r>
-            <a:endParaRPr lang="en-US" dirty="0">
-              <a:solidFill>
-                <a:srgbClr val="FF0000"/>
-              </a:solidFill>
-            </a:endParaRPr>
-          </a:p>
-          <a:p>
-            <a:pPr marL="0" indent="0">
-              <a:buNone/>
-            </a:pPr>
-            <a:endParaRPr lang="en-US" dirty="0"/>
-          </a:p>
-        </p:txBody>
-      </p:sp>
-    </p:spTree>
-    <p:extLst>
-      <p:ext uri="{BB962C8B-B14F-4D97-AF65-F5344CB8AC3E}">
-        <p14:creationId xmlns:p14="http://schemas.microsoft.com/office/powerpoint/2010/main" val="4192792578"/>
-      </p:ext>
-    </p:extLst>
-  </p:cSld>
-  <p:clrMapOvr>
-    <a:masterClrMapping/>
-  </p:clrMapOvr>
-</p:sld>
-</file>
-
-<file path=ppt/slides/slide11.xml><?xml version="1.0" encoding="utf-8"?>
-<p:sld xmlns:a="http://schemas.openxmlformats.org/drawingml/2006/main" xmlns:r="http://schemas.openxmlformats.org/officeDocument/2006/relationships" xmlns:p="http://schemas.openxmlformats.org/presentationml/2006/main">
-  <p:cSld>
-    <p:spTree>
-      <p:nvGrpSpPr>
-        <p:cNvPr id="1" name=""/>
-        <p:cNvGrpSpPr/>
-        <p:nvPr/>
-      </p:nvGrpSpPr>
-      <p:grpSpPr>
-        <a:xfrm>
-          <a:off x="0" y="0"/>
-          <a:ext cx="0" cy="0"/>
-          <a:chOff x="0" y="0"/>
-          <a:chExt cx="0" cy="0"/>
-        </a:xfrm>
-      </p:grpSpPr>
-      <p:sp>
-        <p:nvSpPr>
-          <p:cNvPr id="2" name="Title 1"/>
-          <p:cNvSpPr>
-            <a:spLocks noGrp="1"/>
-          </p:cNvSpPr>
-          <p:nvPr>
-            <p:ph type="title"/>
-          </p:nvPr>
-        </p:nvSpPr>
-        <p:spPr>
-          <a:xfrm>
-            <a:off x="1558603" y="353038"/>
-            <a:ext cx="8911687" cy="1280890"/>
-          </a:xfrm>
-        </p:spPr>
-        <p:txBody>
-          <a:bodyPr/>
-          <a:lstStyle/>
-          <a:p>
-            <a:r>
-              <a:rPr lang="en-US" dirty="0"/>
-              <a:t>5. Post Mortem</a:t>
-            </a:r>
-          </a:p>
-        </p:txBody>
-      </p:sp>
-      <p:sp>
-        <p:nvSpPr>
-          <p:cNvPr id="3" name="Content Placeholder 2"/>
-          <p:cNvSpPr>
-            <a:spLocks noGrp="1"/>
-          </p:cNvSpPr>
-          <p:nvPr>
-            <p:ph idx="1"/>
-          </p:nvPr>
-        </p:nvSpPr>
-        <p:spPr>
-          <a:xfrm>
-            <a:off x="989351" y="1633928"/>
-            <a:ext cx="10515261" cy="5224072"/>
-          </a:xfrm>
-        </p:spPr>
-        <p:txBody>
-          <a:bodyPr>
-            <a:normAutofit/>
-          </a:bodyPr>
-          <a:lstStyle/>
-          <a:p>
-            <a:r>
               <a:rPr lang="en-US" dirty="0"/>
               <a:t>A lot of regulations</a:t>
             </a:r>
@@ -9700,8 +9783,21 @@
             <a:pPr lvl="1"/>
             <a:r>
               <a:rPr lang="en-US" dirty="0"/>
-              <a:t>Owners information</a:t>
-            </a:r>
+              <a:t>Owners </a:t>
+            </a:r>
+            <a:r>
+              <a:rPr lang="en-US" dirty="0" smtClean="0"/>
+              <a:t>information </a:t>
+            </a:r>
+            <a:r>
+              <a:rPr lang="mr-IN" dirty="0" smtClean="0"/>
+              <a:t>–</a:t>
+            </a:r>
+            <a:r>
+              <a:rPr lang="en-US" dirty="0" smtClean="0"/>
+              <a:t> race, age</a:t>
+            </a:r>
+            <a:endParaRPr lang="en-US" dirty="0"/>
           </a:p>
           <a:p>
             <a:endParaRPr lang="en-US" dirty="0"/>
@@ -9754,7 +9850,7 @@
 </p:sld>
 </file>
 
-<file path=ppt/slides/slide12.xml><?xml version="1.0" encoding="utf-8"?>
+<file path=ppt/slides/slide11.xml><?xml version="1.0" encoding="utf-8"?>
 <p:sld xmlns:a="http://schemas.openxmlformats.org/drawingml/2006/main" xmlns:r="http://schemas.openxmlformats.org/officeDocument/2006/relationships" xmlns:p="http://schemas.openxmlformats.org/presentationml/2006/main">
   <p:cSld>
     <p:spTree>
@@ -10068,13 +10164,36 @@
           <a:p>
             <a:r>
               <a:rPr lang="en-US" dirty="0"/>
-              <a:t>Scope: Chicago Loop (60601 through 60606)</a:t>
-            </a:r>
+              <a:t>Scope: Chicago Loop (60601 through 60606</a:t>
+            </a:r>
+            <a:r>
+              <a:rPr lang="en-US" dirty="0" smtClean="0"/>
+              <a:t>)</a:t>
+            </a:r>
+          </a:p>
+          <a:p>
+            <a:r>
+              <a:rPr lang="en-US" dirty="0" smtClean="0"/>
+              <a:t>The number of raw data imported: 21K</a:t>
+            </a:r>
+            <a:endParaRPr lang="en-US" dirty="0"/>
           </a:p>
           <a:p>
             <a:r>
               <a:rPr lang="en-US" dirty="0"/>
-              <a:t>The number of raw data imported: 21K</a:t>
+              <a:t>Dropped blank Zillow ID</a:t>
+            </a:r>
+          </a:p>
+          <a:p>
+            <a:r>
+              <a:rPr lang="en-US" dirty="0"/>
+              <a:t>Home Type: Condominium: 17K</a:t>
+            </a:r>
+          </a:p>
+          <a:p>
+            <a:r>
+              <a:rPr lang="en-US" dirty="0"/>
+              <a:t>Bedrooms / Bathrooms: 3K used for Scatter Plot</a:t>
             </a:r>
           </a:p>
           <a:p>
@@ -10086,30 +10205,6 @@
           <a:p>
             <a:r>
               <a:rPr lang="en-US" dirty="0"/>
-              <a:t>Dropped blank Zillow ID</a:t>
-            </a:r>
-          </a:p>
-          <a:p>
-            <a:r>
-              <a:rPr lang="en-US" dirty="0"/>
-              <a:t>Home Type: Condominium: 17K</a:t>
-            </a:r>
-          </a:p>
-          <a:p>
-            <a:r>
-              <a:rPr lang="en-US" dirty="0"/>
-              <a:t>Bedrooms / Bathrooms: 3K used for Scatter Plot</a:t>
-            </a:r>
-          </a:p>
-          <a:p>
-            <a:pPr marL="0" indent="0">
-              <a:buNone/>
-            </a:pPr>
-            <a:endParaRPr lang="en-US" dirty="0"/>
-          </a:p>
-          <a:p>
-            <a:r>
-              <a:rPr lang="en-US" dirty="0"/>
               <a:t>Problems to import data</a:t>
             </a:r>
           </a:p>
@@ -10122,15 +10217,7 @@
           <a:p>
             <a:r>
               <a:rPr lang="en-US" dirty="0"/>
-              <a:t>Even not provided addresses -&gt; Copied the list of addresses from Trulia. Did not include 60607 </a:t>
-            </a:r>
-            <a:r>
-              <a:rPr lang="en-US"/>
-              <a:t>and 60616 </a:t>
-            </a:r>
-            <a:r>
-              <a:rPr lang="en-US" dirty="0"/>
-              <a:t>due to constraints</a:t>
+              <a:t>Even not provided addresses -&gt; Copied the list of addresses from Trulia. Did not include 60607 and 60616 due to constraints</a:t>
             </a:r>
           </a:p>
           <a:p>
@@ -10227,11 +10314,316 @@
         </p:blipFill>
         <p:spPr>
           <a:xfrm>
-            <a:off x="3503613" y="2416969"/>
+            <a:off x="5755747" y="2620169"/>
             <a:ext cx="5486400" cy="3657600"/>
           </a:xfrm>
         </p:spPr>
       </p:pic>
+      <p:sp>
+        <p:nvSpPr>
+          <p:cNvPr id="5" name="Content Placeholder 2"/>
+          <p:cNvSpPr txBox="1">
+            <a:spLocks/>
+          </p:cNvSpPr>
+          <p:nvPr/>
+        </p:nvSpPr>
+        <p:spPr>
+          <a:xfrm>
+            <a:off x="989351" y="1633928"/>
+            <a:ext cx="10515261" cy="5224072"/>
+          </a:xfrm>
+          <a:prstGeom prst="rect">
+            <a:avLst/>
+          </a:prstGeom>
+        </p:spPr>
+        <p:txBody>
+          <a:bodyPr vert="horz" lIns="91440" tIns="45720" rIns="91440" bIns="45720" rtlCol="0">
+            <a:normAutofit/>
+          </a:bodyPr>
+          <a:lstStyle>
+            <a:lvl1pPr marL="342900" indent="-342900" algn="l" defTabSz="457200" rtl="0" eaLnBrk="1" latinLnBrk="0" hangingPunct="1">
+              <a:spcBef>
+                <a:spcPts val="1000"/>
+              </a:spcBef>
+              <a:spcAft>
+                <a:spcPts val="0"/>
+              </a:spcAft>
+              <a:buClr>
+                <a:schemeClr val="accent1"/>
+              </a:buClr>
+              <a:buFont typeface="Wingdings 3" charset="2"/>
+              <a:buChar char=""/>
+              <a:defRPr sz="1800" kern="1200">
+                <a:solidFill>
+                  <a:schemeClr val="tx1">
+                    <a:lumMod val="75000"/>
+                    <a:lumOff val="25000"/>
+                  </a:schemeClr>
+                </a:solidFill>
+                <a:latin typeface="+mn-lt"/>
+                <a:ea typeface="+mn-ea"/>
+                <a:cs typeface="+mn-cs"/>
+              </a:defRPr>
+            </a:lvl1pPr>
+            <a:lvl2pPr marL="742950" indent="-285750" algn="l" defTabSz="457200" rtl="0" eaLnBrk="1" latinLnBrk="0" hangingPunct="1">
+              <a:spcBef>
+                <a:spcPts val="1000"/>
+              </a:spcBef>
+              <a:spcAft>
+                <a:spcPts val="0"/>
+              </a:spcAft>
+              <a:buClr>
+                <a:schemeClr val="accent1"/>
+              </a:buClr>
+              <a:buFont typeface="Wingdings 3" charset="2"/>
+              <a:buChar char=""/>
+              <a:defRPr sz="1600" kern="1200">
+                <a:solidFill>
+                  <a:schemeClr val="tx1">
+                    <a:lumMod val="75000"/>
+                    <a:lumOff val="25000"/>
+                  </a:schemeClr>
+                </a:solidFill>
+                <a:latin typeface="+mn-lt"/>
+                <a:ea typeface="+mn-ea"/>
+                <a:cs typeface="+mn-cs"/>
+              </a:defRPr>
+            </a:lvl2pPr>
+            <a:lvl3pPr marL="1143000" indent="-228600" algn="l" defTabSz="457200" rtl="0" eaLnBrk="1" latinLnBrk="0" hangingPunct="1">
+              <a:spcBef>
+                <a:spcPts val="1000"/>
+              </a:spcBef>
+              <a:spcAft>
+                <a:spcPts val="0"/>
+              </a:spcAft>
+              <a:buClr>
+                <a:schemeClr val="accent1"/>
+              </a:buClr>
+              <a:buFont typeface="Wingdings 3" charset="2"/>
+              <a:buChar char=""/>
+              <a:defRPr sz="1400" kern="1200">
+                <a:solidFill>
+                  <a:schemeClr val="tx1">
+                    <a:lumMod val="75000"/>
+                    <a:lumOff val="25000"/>
+                  </a:schemeClr>
+                </a:solidFill>
+                <a:latin typeface="+mn-lt"/>
+                <a:ea typeface="+mn-ea"/>
+                <a:cs typeface="+mn-cs"/>
+              </a:defRPr>
+            </a:lvl3pPr>
+            <a:lvl4pPr marL="1600200" indent="-228600" algn="l" defTabSz="457200" rtl="0" eaLnBrk="1" latinLnBrk="0" hangingPunct="1">
+              <a:spcBef>
+                <a:spcPts val="1000"/>
+              </a:spcBef>
+              <a:spcAft>
+                <a:spcPts val="0"/>
+              </a:spcAft>
+              <a:buClr>
+                <a:schemeClr val="accent1"/>
+              </a:buClr>
+              <a:buFont typeface="Wingdings 3" charset="2"/>
+              <a:buChar char=""/>
+              <a:defRPr sz="1200" kern="1200">
+                <a:solidFill>
+                  <a:schemeClr val="tx1">
+                    <a:lumMod val="75000"/>
+                    <a:lumOff val="25000"/>
+                  </a:schemeClr>
+                </a:solidFill>
+                <a:latin typeface="+mn-lt"/>
+                <a:ea typeface="+mn-ea"/>
+                <a:cs typeface="+mn-cs"/>
+              </a:defRPr>
+            </a:lvl4pPr>
+            <a:lvl5pPr marL="2057400" indent="-228600" algn="l" defTabSz="457200" rtl="0" eaLnBrk="1" latinLnBrk="0" hangingPunct="1">
+              <a:spcBef>
+                <a:spcPts val="1000"/>
+              </a:spcBef>
+              <a:spcAft>
+                <a:spcPts val="0"/>
+              </a:spcAft>
+              <a:buClr>
+                <a:schemeClr val="accent1"/>
+              </a:buClr>
+              <a:buFont typeface="Wingdings 3" charset="2"/>
+              <a:buChar char=""/>
+              <a:defRPr sz="1200" kern="1200">
+                <a:solidFill>
+                  <a:schemeClr val="tx1">
+                    <a:lumMod val="75000"/>
+                    <a:lumOff val="25000"/>
+                  </a:schemeClr>
+                </a:solidFill>
+                <a:latin typeface="+mn-lt"/>
+                <a:ea typeface="+mn-ea"/>
+                <a:cs typeface="+mn-cs"/>
+              </a:defRPr>
+            </a:lvl5pPr>
+            <a:lvl6pPr marL="2514600" indent="-228600" algn="l" defTabSz="457200" rtl="0" eaLnBrk="1" latinLnBrk="0" hangingPunct="1">
+              <a:spcBef>
+                <a:spcPts val="1000"/>
+              </a:spcBef>
+              <a:spcAft>
+                <a:spcPts val="0"/>
+              </a:spcAft>
+              <a:buClr>
+                <a:schemeClr val="accent1"/>
+              </a:buClr>
+              <a:buFont typeface="Wingdings 3" charset="2"/>
+              <a:buChar char=""/>
+              <a:defRPr sz="1200" kern="1200">
+                <a:solidFill>
+                  <a:schemeClr val="tx1">
+                    <a:lumMod val="75000"/>
+                    <a:lumOff val="25000"/>
+                  </a:schemeClr>
+                </a:solidFill>
+                <a:latin typeface="+mn-lt"/>
+                <a:ea typeface="+mn-ea"/>
+                <a:cs typeface="+mn-cs"/>
+              </a:defRPr>
+            </a:lvl6pPr>
+            <a:lvl7pPr marL="2971800" indent="-228600" algn="l" defTabSz="457200" rtl="0" eaLnBrk="1" latinLnBrk="0" hangingPunct="1">
+              <a:spcBef>
+                <a:spcPts val="1000"/>
+              </a:spcBef>
+              <a:spcAft>
+                <a:spcPts val="0"/>
+              </a:spcAft>
+              <a:buClr>
+                <a:schemeClr val="accent1"/>
+              </a:buClr>
+              <a:buFont typeface="Wingdings 3" charset="2"/>
+              <a:buChar char=""/>
+              <a:defRPr sz="1200" kern="1200">
+                <a:solidFill>
+                  <a:schemeClr val="tx1">
+                    <a:lumMod val="75000"/>
+                    <a:lumOff val="25000"/>
+                  </a:schemeClr>
+                </a:solidFill>
+                <a:latin typeface="+mn-lt"/>
+                <a:ea typeface="+mn-ea"/>
+                <a:cs typeface="+mn-cs"/>
+              </a:defRPr>
+            </a:lvl7pPr>
+            <a:lvl8pPr marL="3429000" indent="-228600" algn="l" defTabSz="457200" rtl="0" eaLnBrk="1" latinLnBrk="0" hangingPunct="1">
+              <a:spcBef>
+                <a:spcPts val="1000"/>
+              </a:spcBef>
+              <a:spcAft>
+                <a:spcPts val="0"/>
+              </a:spcAft>
+              <a:buClr>
+                <a:schemeClr val="accent1"/>
+              </a:buClr>
+              <a:buFont typeface="Wingdings 3" charset="2"/>
+              <a:buChar char=""/>
+              <a:defRPr sz="1200" kern="1200">
+                <a:solidFill>
+                  <a:schemeClr val="tx1">
+                    <a:lumMod val="75000"/>
+                    <a:lumOff val="25000"/>
+                  </a:schemeClr>
+                </a:solidFill>
+                <a:latin typeface="+mn-lt"/>
+                <a:ea typeface="+mn-ea"/>
+                <a:cs typeface="+mn-cs"/>
+              </a:defRPr>
+            </a:lvl8pPr>
+            <a:lvl9pPr marL="3886200" indent="-228600" algn="l" defTabSz="457200" rtl="0" eaLnBrk="1" latinLnBrk="0" hangingPunct="1">
+              <a:spcBef>
+                <a:spcPts val="1000"/>
+              </a:spcBef>
+              <a:spcAft>
+                <a:spcPts val="0"/>
+              </a:spcAft>
+              <a:buClr>
+                <a:schemeClr val="accent1"/>
+              </a:buClr>
+              <a:buFont typeface="Wingdings 3" charset="2"/>
+              <a:buChar char=""/>
+              <a:defRPr sz="1200" kern="1200">
+                <a:solidFill>
+                  <a:schemeClr val="tx1">
+                    <a:lumMod val="75000"/>
+                    <a:lumOff val="25000"/>
+                  </a:schemeClr>
+                </a:solidFill>
+                <a:latin typeface="+mn-lt"/>
+                <a:ea typeface="+mn-ea"/>
+                <a:cs typeface="+mn-cs"/>
+              </a:defRPr>
+            </a:lvl9pPr>
+          </a:lstStyle>
+          <a:p>
+            <a:pPr marL="0" lvl="0" indent="0" defTabSz="914400">
+              <a:spcBef>
+                <a:spcPts val="0"/>
+              </a:spcBef>
+              <a:buClrTx/>
+              <a:buNone/>
+              <a:defRPr/>
+            </a:pPr>
+            <a:r>
+              <a:rPr lang="en-US" dirty="0" smtClean="0"/>
+              <a:t>The average of mortgage amount (</a:t>
+            </a:r>
+            <a:r>
+              <a:rPr lang="en-US" dirty="0" err="1" smtClean="0"/>
+              <a:t>Zestimate</a:t>
+            </a:r>
+            <a:r>
+              <a:rPr lang="en-US" dirty="0" smtClean="0"/>
+              <a:t> amount) </a:t>
+            </a:r>
+            <a:r>
+              <a:rPr lang="en-US" dirty="0"/>
+              <a:t>in loop is </a:t>
+            </a:r>
+            <a:r>
+              <a:rPr lang="en-US" dirty="0" smtClean="0"/>
+              <a:t>360KUSD </a:t>
+            </a:r>
+            <a:r>
+              <a:rPr lang="en-US" dirty="0"/>
+              <a:t>as average and </a:t>
+            </a:r>
+            <a:r>
+              <a:rPr lang="en-US" dirty="0" smtClean="0"/>
+              <a:t>465KUSD </a:t>
+            </a:r>
+            <a:r>
+              <a:rPr lang="en-US" dirty="0"/>
+              <a:t>as </a:t>
+            </a:r>
+            <a:r>
+              <a:rPr lang="en-US" dirty="0" smtClean="0"/>
+              <a:t>median.</a:t>
+            </a:r>
+          </a:p>
+          <a:p>
+            <a:pPr marL="0" lvl="0" indent="0" defTabSz="914400">
+              <a:spcBef>
+                <a:spcPts val="0"/>
+              </a:spcBef>
+              <a:buClrTx/>
+              <a:buNone/>
+              <a:defRPr/>
+            </a:pPr>
+            <a:endParaRPr lang="en-US" dirty="0" smtClean="0"/>
+          </a:p>
+          <a:p>
+            <a:pPr marL="0" indent="0">
+              <a:buFont typeface="Wingdings 3" charset="2"/>
+              <a:buNone/>
+            </a:pPr>
+            <a:endParaRPr lang="en-US" dirty="0"/>
+          </a:p>
+        </p:txBody>
+      </p:sp>
     </p:spTree>
     <p:extLst>
       <p:ext uri="{BB962C8B-B14F-4D97-AF65-F5344CB8AC3E}">
@@ -10286,7 +10678,6 @@
               <a:rPr lang="en-US" dirty="0"/>
               <a:t>3. Data Analysis</a:t>
             </a:r>
-            <a:endParaRPr lang="en-US" dirty="0"/>
           </a:p>
         </p:txBody>
       </p:sp>
@@ -10313,9 +10704,14 @@
           <a:lstStyle/>
           <a:p>
             <a:r>
-              <a:rPr lang="en-US" dirty="0"/>
-              <a:t>Attach graphs here</a:t>
-            </a:r>
+              <a:rPr lang="en-US" dirty="0" err="1" smtClean="0"/>
+              <a:t>Zestimate</a:t>
+            </a:r>
+            <a:r>
+              <a:rPr lang="en-US" dirty="0" smtClean="0"/>
+              <a:t> amount (mortgage amount) changes between -0.01% and 0.025% for 30 days.</a:t>
+            </a:r>
+            <a:endParaRPr lang="en-US" dirty="0"/>
           </a:p>
           <a:p>
             <a:pPr marL="0" indent="0">
@@ -10347,8 +10743,8 @@
         </p:blipFill>
         <p:spPr>
           <a:xfrm>
-            <a:off x="3352800" y="1600200"/>
-            <a:ext cx="5486400" cy="3657600"/>
+            <a:off x="4893732" y="2219608"/>
+            <a:ext cx="6079067" cy="4052711"/>
           </a:xfrm>
           <a:prstGeom prst="rect">
             <a:avLst/>
@@ -10409,7 +10805,6 @@
               <a:rPr lang="en-US" dirty="0"/>
               <a:t>3. Data Analysis</a:t>
             </a:r>
-            <a:endParaRPr lang="en-US" dirty="0"/>
           </a:p>
         </p:txBody>
       </p:sp>
@@ -10437,14 +10832,322 @@
         </p:blipFill>
         <p:spPr>
           <a:xfrm>
-            <a:off x="1073151" y="1447272"/>
-            <a:ext cx="10448924" cy="5224462"/>
+            <a:off x="2098532" y="1785359"/>
+            <a:ext cx="10145282" cy="5072641"/>
           </a:xfrm>
           <a:prstGeom prst="rect">
             <a:avLst/>
           </a:prstGeom>
         </p:spPr>
       </p:pic>
+      <p:sp>
+        <p:nvSpPr>
+          <p:cNvPr id="4" name="Content Placeholder 2"/>
+          <p:cNvSpPr txBox="1">
+            <a:spLocks/>
+          </p:cNvSpPr>
+          <p:nvPr/>
+        </p:nvSpPr>
+        <p:spPr>
+          <a:xfrm>
+            <a:off x="989351" y="1633928"/>
+            <a:ext cx="10515261" cy="5224072"/>
+          </a:xfrm>
+          <a:prstGeom prst="rect">
+            <a:avLst/>
+          </a:prstGeom>
+        </p:spPr>
+        <p:txBody>
+          <a:bodyPr vert="horz" lIns="91440" tIns="45720" rIns="91440" bIns="45720" rtlCol="0">
+            <a:normAutofit/>
+          </a:bodyPr>
+          <a:lstStyle>
+            <a:lvl1pPr marL="342900" indent="-342900" algn="l" defTabSz="457200" rtl="0" eaLnBrk="1" latinLnBrk="0" hangingPunct="1">
+              <a:spcBef>
+                <a:spcPts val="1000"/>
+              </a:spcBef>
+              <a:spcAft>
+                <a:spcPts val="0"/>
+              </a:spcAft>
+              <a:buClr>
+                <a:schemeClr val="accent1"/>
+              </a:buClr>
+              <a:buFont typeface="Wingdings 3" charset="2"/>
+              <a:buChar char=""/>
+              <a:defRPr sz="1800" kern="1200">
+                <a:solidFill>
+                  <a:schemeClr val="tx1">
+                    <a:lumMod val="75000"/>
+                    <a:lumOff val="25000"/>
+                  </a:schemeClr>
+                </a:solidFill>
+                <a:latin typeface="+mn-lt"/>
+                <a:ea typeface="+mn-ea"/>
+                <a:cs typeface="+mn-cs"/>
+              </a:defRPr>
+            </a:lvl1pPr>
+            <a:lvl2pPr marL="742950" indent="-285750" algn="l" defTabSz="457200" rtl="0" eaLnBrk="1" latinLnBrk="0" hangingPunct="1">
+              <a:spcBef>
+                <a:spcPts val="1000"/>
+              </a:spcBef>
+              <a:spcAft>
+                <a:spcPts val="0"/>
+              </a:spcAft>
+              <a:buClr>
+                <a:schemeClr val="accent1"/>
+              </a:buClr>
+              <a:buFont typeface="Wingdings 3" charset="2"/>
+              <a:buChar char=""/>
+              <a:defRPr sz="1600" kern="1200">
+                <a:solidFill>
+                  <a:schemeClr val="tx1">
+                    <a:lumMod val="75000"/>
+                    <a:lumOff val="25000"/>
+                  </a:schemeClr>
+                </a:solidFill>
+                <a:latin typeface="+mn-lt"/>
+                <a:ea typeface="+mn-ea"/>
+                <a:cs typeface="+mn-cs"/>
+              </a:defRPr>
+            </a:lvl2pPr>
+            <a:lvl3pPr marL="1143000" indent="-228600" algn="l" defTabSz="457200" rtl="0" eaLnBrk="1" latinLnBrk="0" hangingPunct="1">
+              <a:spcBef>
+                <a:spcPts val="1000"/>
+              </a:spcBef>
+              <a:spcAft>
+                <a:spcPts val="0"/>
+              </a:spcAft>
+              <a:buClr>
+                <a:schemeClr val="accent1"/>
+              </a:buClr>
+              <a:buFont typeface="Wingdings 3" charset="2"/>
+              <a:buChar char=""/>
+              <a:defRPr sz="1400" kern="1200">
+                <a:solidFill>
+                  <a:schemeClr val="tx1">
+                    <a:lumMod val="75000"/>
+                    <a:lumOff val="25000"/>
+                  </a:schemeClr>
+                </a:solidFill>
+                <a:latin typeface="+mn-lt"/>
+                <a:ea typeface="+mn-ea"/>
+                <a:cs typeface="+mn-cs"/>
+              </a:defRPr>
+            </a:lvl3pPr>
+            <a:lvl4pPr marL="1600200" indent="-228600" algn="l" defTabSz="457200" rtl="0" eaLnBrk="1" latinLnBrk="0" hangingPunct="1">
+              <a:spcBef>
+                <a:spcPts val="1000"/>
+              </a:spcBef>
+              <a:spcAft>
+                <a:spcPts val="0"/>
+              </a:spcAft>
+              <a:buClr>
+                <a:schemeClr val="accent1"/>
+              </a:buClr>
+              <a:buFont typeface="Wingdings 3" charset="2"/>
+              <a:buChar char=""/>
+              <a:defRPr sz="1200" kern="1200">
+                <a:solidFill>
+                  <a:schemeClr val="tx1">
+                    <a:lumMod val="75000"/>
+                    <a:lumOff val="25000"/>
+                  </a:schemeClr>
+                </a:solidFill>
+                <a:latin typeface="+mn-lt"/>
+                <a:ea typeface="+mn-ea"/>
+                <a:cs typeface="+mn-cs"/>
+              </a:defRPr>
+            </a:lvl4pPr>
+            <a:lvl5pPr marL="2057400" indent="-228600" algn="l" defTabSz="457200" rtl="0" eaLnBrk="1" latinLnBrk="0" hangingPunct="1">
+              <a:spcBef>
+                <a:spcPts val="1000"/>
+              </a:spcBef>
+              <a:spcAft>
+                <a:spcPts val="0"/>
+              </a:spcAft>
+              <a:buClr>
+                <a:schemeClr val="accent1"/>
+              </a:buClr>
+              <a:buFont typeface="Wingdings 3" charset="2"/>
+              <a:buChar char=""/>
+              <a:defRPr sz="1200" kern="1200">
+                <a:solidFill>
+                  <a:schemeClr val="tx1">
+                    <a:lumMod val="75000"/>
+                    <a:lumOff val="25000"/>
+                  </a:schemeClr>
+                </a:solidFill>
+                <a:latin typeface="+mn-lt"/>
+                <a:ea typeface="+mn-ea"/>
+                <a:cs typeface="+mn-cs"/>
+              </a:defRPr>
+            </a:lvl5pPr>
+            <a:lvl6pPr marL="2514600" indent="-228600" algn="l" defTabSz="457200" rtl="0" eaLnBrk="1" latinLnBrk="0" hangingPunct="1">
+              <a:spcBef>
+                <a:spcPts val="1000"/>
+              </a:spcBef>
+              <a:spcAft>
+                <a:spcPts val="0"/>
+              </a:spcAft>
+              <a:buClr>
+                <a:schemeClr val="accent1"/>
+              </a:buClr>
+              <a:buFont typeface="Wingdings 3" charset="2"/>
+              <a:buChar char=""/>
+              <a:defRPr sz="1200" kern="1200">
+                <a:solidFill>
+                  <a:schemeClr val="tx1">
+                    <a:lumMod val="75000"/>
+                    <a:lumOff val="25000"/>
+                  </a:schemeClr>
+                </a:solidFill>
+                <a:latin typeface="+mn-lt"/>
+                <a:ea typeface="+mn-ea"/>
+                <a:cs typeface="+mn-cs"/>
+              </a:defRPr>
+            </a:lvl6pPr>
+            <a:lvl7pPr marL="2971800" indent="-228600" algn="l" defTabSz="457200" rtl="0" eaLnBrk="1" latinLnBrk="0" hangingPunct="1">
+              <a:spcBef>
+                <a:spcPts val="1000"/>
+              </a:spcBef>
+              <a:spcAft>
+                <a:spcPts val="0"/>
+              </a:spcAft>
+              <a:buClr>
+                <a:schemeClr val="accent1"/>
+              </a:buClr>
+              <a:buFont typeface="Wingdings 3" charset="2"/>
+              <a:buChar char=""/>
+              <a:defRPr sz="1200" kern="1200">
+                <a:solidFill>
+                  <a:schemeClr val="tx1">
+                    <a:lumMod val="75000"/>
+                    <a:lumOff val="25000"/>
+                  </a:schemeClr>
+                </a:solidFill>
+                <a:latin typeface="+mn-lt"/>
+                <a:ea typeface="+mn-ea"/>
+                <a:cs typeface="+mn-cs"/>
+              </a:defRPr>
+            </a:lvl7pPr>
+            <a:lvl8pPr marL="3429000" indent="-228600" algn="l" defTabSz="457200" rtl="0" eaLnBrk="1" latinLnBrk="0" hangingPunct="1">
+              <a:spcBef>
+                <a:spcPts val="1000"/>
+              </a:spcBef>
+              <a:spcAft>
+                <a:spcPts val="0"/>
+              </a:spcAft>
+              <a:buClr>
+                <a:schemeClr val="accent1"/>
+              </a:buClr>
+              <a:buFont typeface="Wingdings 3" charset="2"/>
+              <a:buChar char=""/>
+              <a:defRPr sz="1200" kern="1200">
+                <a:solidFill>
+                  <a:schemeClr val="tx1">
+                    <a:lumMod val="75000"/>
+                    <a:lumOff val="25000"/>
+                  </a:schemeClr>
+                </a:solidFill>
+                <a:latin typeface="+mn-lt"/>
+                <a:ea typeface="+mn-ea"/>
+                <a:cs typeface="+mn-cs"/>
+              </a:defRPr>
+            </a:lvl8pPr>
+            <a:lvl9pPr marL="3886200" indent="-228600" algn="l" defTabSz="457200" rtl="0" eaLnBrk="1" latinLnBrk="0" hangingPunct="1">
+              <a:spcBef>
+                <a:spcPts val="1000"/>
+              </a:spcBef>
+              <a:spcAft>
+                <a:spcPts val="0"/>
+              </a:spcAft>
+              <a:buClr>
+                <a:schemeClr val="accent1"/>
+              </a:buClr>
+              <a:buFont typeface="Wingdings 3" charset="2"/>
+              <a:buChar char=""/>
+              <a:defRPr sz="1200" kern="1200">
+                <a:solidFill>
+                  <a:schemeClr val="tx1">
+                    <a:lumMod val="75000"/>
+                    <a:lumOff val="25000"/>
+                  </a:schemeClr>
+                </a:solidFill>
+                <a:latin typeface="+mn-lt"/>
+                <a:ea typeface="+mn-ea"/>
+                <a:cs typeface="+mn-cs"/>
+              </a:defRPr>
+            </a:lvl9pPr>
+          </a:lstStyle>
+          <a:p>
+            <a:pPr marL="0" indent="0">
+              <a:buFont typeface="Wingdings 3" charset="2"/>
+              <a:buNone/>
+            </a:pPr>
+            <a:endParaRPr lang="en-US" dirty="0"/>
+          </a:p>
+        </p:txBody>
+      </p:sp>
+      <p:sp>
+        <p:nvSpPr>
+          <p:cNvPr id="3" name="Rectangle 2"/>
+          <p:cNvSpPr/>
+          <p:nvPr/>
+        </p:nvSpPr>
+        <p:spPr>
+          <a:xfrm>
+            <a:off x="819400" y="1109479"/>
+            <a:ext cx="10685211" cy="646331"/>
+          </a:xfrm>
+          <a:prstGeom prst="rect">
+            <a:avLst/>
+          </a:prstGeom>
+        </p:spPr>
+        <p:txBody>
+          <a:bodyPr wrap="square">
+            <a:spAutoFit/>
+          </a:bodyPr>
+          <a:lstStyle/>
+          <a:p>
+            <a:pPr lvl="0" defTabSz="914400">
+              <a:defRPr/>
+            </a:pPr>
+            <a:r>
+              <a:rPr lang="en-US" dirty="0"/>
+              <a:t>South loop </a:t>
+            </a:r>
+            <a:r>
+              <a:rPr lang="en-US" dirty="0" smtClean="0"/>
+              <a:t>(60605) is </a:t>
+            </a:r>
+            <a:r>
+              <a:rPr lang="en-US" dirty="0"/>
+              <a:t>the most reasonable option in Loop </a:t>
+            </a:r>
+            <a:r>
+              <a:rPr lang="en-US" dirty="0" smtClean="0"/>
+              <a:t>as they have </a:t>
+            </a:r>
+            <a:r>
+              <a:rPr lang="en-US" dirty="0"/>
+              <a:t>lowest median, lowest first </a:t>
+            </a:r>
+            <a:r>
+              <a:rPr lang="en-US" dirty="0" smtClean="0"/>
+              <a:t>quartile compared to other zip and the data range is between 200K </a:t>
+            </a:r>
+            <a:r>
+              <a:rPr lang="mr-IN" dirty="0" smtClean="0"/>
+              <a:t>–</a:t>
+            </a:r>
+            <a:r>
+              <a:rPr lang="en-US" dirty="0" smtClean="0"/>
+              <a:t> 700K.</a:t>
+            </a:r>
+            <a:endParaRPr lang="en-US" dirty="0"/>
+          </a:p>
+        </p:txBody>
+      </p:sp>
     </p:spTree>
     <p:extLst>
       <p:ext uri="{BB962C8B-B14F-4D97-AF65-F5344CB8AC3E}">
@@ -10499,7 +11202,6 @@
               <a:rPr lang="en-US" dirty="0"/>
               <a:t>3. Data Analysis</a:t>
             </a:r>
-            <a:endParaRPr lang="en-US" dirty="0"/>
           </a:p>
         </p:txBody>
       </p:sp>
@@ -10535,7 +11237,47 @@
             </a:r>
             <a:r>
               <a:rPr lang="en-US" dirty="0" smtClean="0"/>
-              <a:t> to be attached all Zip? To be considered..</a:t>
+              <a:t> to be attached all Zip? To be considered</a:t>
+            </a:r>
+            <a:r>
+              <a:rPr lang="en-US" dirty="0" smtClean="0"/>
+              <a:t>..</a:t>
+            </a:r>
+          </a:p>
+          <a:p>
+            <a:r>
+              <a:rPr lang="en-US" dirty="0" smtClean="0"/>
+              <a:t>This is the correlation between number of bed rooms and </a:t>
+            </a:r>
+            <a:r>
+              <a:rPr lang="en-US" dirty="0" err="1" smtClean="0"/>
+              <a:t>zestimate</a:t>
+            </a:r>
+            <a:r>
+              <a:rPr lang="en-US" dirty="0" smtClean="0"/>
+              <a:t> amount.</a:t>
+            </a:r>
+          </a:p>
+          <a:p>
+            <a:r>
+              <a:rPr lang="en-US" dirty="0" smtClean="0"/>
+              <a:t>They have moderate correlation since r = 0.6 *r &gt; 0.7 is strong correlation between them.</a:t>
+            </a:r>
+          </a:p>
+          <a:p>
+            <a:endParaRPr lang="en-US" dirty="0"/>
+          </a:p>
+          <a:p>
+            <a:r>
+              <a:rPr lang="en-US" dirty="0" smtClean="0"/>
+              <a:t>Reason not having strong regression</a:t>
+            </a:r>
+          </a:p>
+          <a:p>
+            <a:pPr lvl="1"/>
+            <a:r>
+              <a:rPr lang="en-US" dirty="0" smtClean="0"/>
+              <a:t>Number of rooms, not foot</a:t>
             </a:r>
             <a:endParaRPr lang="en-US" dirty="0"/>
           </a:p>
@@ -10569,7 +11311,7 @@
         </p:blipFill>
         <p:spPr>
           <a:xfrm>
-            <a:off x="4777151" y="2413001"/>
+            <a:off x="5691551" y="2914818"/>
             <a:ext cx="6159500" cy="4106333"/>
           </a:xfrm>
           <a:prstGeom prst="rect">
@@ -10631,7 +11373,6 @@
               <a:rPr lang="en-US" dirty="0"/>
               <a:t>3. Data Analysis</a:t>
             </a:r>
-            <a:endParaRPr lang="en-US" dirty="0"/>
           </a:p>
         </p:txBody>
       </p:sp>
@@ -10658,9 +11399,69 @@
           <a:lstStyle/>
           <a:p>
             <a:r>
-              <a:rPr lang="en-US" dirty="0"/>
-              <a:t>Attach graphs here</a:t>
-            </a:r>
+              <a:rPr lang="en-US" dirty="0" smtClean="0"/>
+              <a:t>Hypothesis Testing </a:t>
+            </a:r>
+            <a:r>
+              <a:rPr lang="mr-IN" dirty="0" smtClean="0"/>
+              <a:t>–</a:t>
+            </a:r>
+            <a:r>
+              <a:rPr lang="en-US" dirty="0" smtClean="0"/>
+              <a:t> </a:t>
+            </a:r>
+          </a:p>
+          <a:p>
+            <a:pPr lvl="1"/>
+            <a:r>
+              <a:rPr lang="en-US" dirty="0" smtClean="0"/>
+              <a:t>Hypothesis: </a:t>
+            </a:r>
+            <a:r>
+              <a:rPr lang="en-US" dirty="0" smtClean="0"/>
+              <a:t>in Loop, the </a:t>
+            </a:r>
+            <a:r>
+              <a:rPr lang="en-US" dirty="0" err="1" smtClean="0"/>
+              <a:t>zestimate</a:t>
+            </a:r>
+            <a:r>
+              <a:rPr lang="en-US" dirty="0" smtClean="0"/>
+              <a:t> amount does have same variance by zip</a:t>
+            </a:r>
+          </a:p>
+          <a:p>
+            <a:pPr lvl="1"/>
+            <a:r>
+              <a:rPr lang="en-US" dirty="0" smtClean="0"/>
+              <a:t>Null Hypothesis: In Loop, the </a:t>
+            </a:r>
+            <a:r>
+              <a:rPr lang="en-US" dirty="0" err="1" smtClean="0"/>
+              <a:t>zestimate</a:t>
+            </a:r>
+            <a:r>
+              <a:rPr lang="en-US" dirty="0" smtClean="0"/>
+              <a:t> amount does not have same variance by zip</a:t>
+            </a:r>
+            <a:endParaRPr lang="en-US" dirty="0" smtClean="0"/>
+          </a:p>
+          <a:p>
+            <a:r>
+              <a:rPr lang="en-US" sz="1600" dirty="0" smtClean="0"/>
+              <a:t>Use: 	Box Plot </a:t>
+            </a:r>
+            <a:r>
+              <a:rPr lang="mr-IN" sz="1600" dirty="0" smtClean="0"/>
+              <a:t>–</a:t>
+            </a:r>
+            <a:r>
+              <a:rPr lang="en-US" sz="1600" dirty="0" smtClean="0"/>
+              <a:t> p &gt; 0.05 = does have variance by zip</a:t>
+            </a:r>
+          </a:p>
+          <a:p>
+            <a:endParaRPr lang="en-US" dirty="0"/>
           </a:p>
           <a:p>
             <a:pPr marL="0" indent="0">
@@ -10722,7 +11523,11 @@
           <a:p>
             <a:r>
               <a:rPr lang="en-US" dirty="0"/>
-              <a:t>3. Data Analysis</a:t>
+              <a:t>4. </a:t>
+            </a:r>
+            <a:r>
+              <a:rPr lang="en-US" dirty="0" smtClean="0"/>
+              <a:t>Findings</a:t>
             </a:r>
             <a:endParaRPr lang="en-US" dirty="0"/>
           </a:p>
@@ -10751,9 +11556,129 @@
           <a:lstStyle/>
           <a:p>
             <a:r>
+              <a:rPr lang="en-US" b="1" dirty="0"/>
+              <a:t>Original Question:</a:t>
+            </a:r>
+          </a:p>
+          <a:p>
+            <a:pPr lvl="1"/>
+            <a:r>
               <a:rPr lang="en-US" dirty="0"/>
-              <a:t>Attach graphs here</a:t>
-            </a:r>
+              <a:t>How much is the average mortgage price in Loop? </a:t>
+            </a:r>
+            <a:r>
+              <a:rPr lang="ja-JP" altLang="en-US" dirty="0">
+                <a:solidFill>
+                  <a:srgbClr val="FF0000"/>
+                </a:solidFill>
+              </a:rPr>
+              <a:t>▷ </a:t>
+            </a:r>
+            <a:r>
+              <a:rPr lang="en-US" altLang="ja-JP" dirty="0">
+                <a:solidFill>
+                  <a:srgbClr val="FF0000"/>
+                </a:solidFill>
+              </a:rPr>
+              <a:t>Add number later </a:t>
+            </a:r>
+            <a:endParaRPr lang="en-US" dirty="0">
+              <a:solidFill>
+                <a:srgbClr val="FF0000"/>
+              </a:solidFill>
+            </a:endParaRPr>
+          </a:p>
+          <a:p>
+            <a:pPr lvl="1"/>
+            <a:r>
+              <a:rPr lang="en-US" dirty="0"/>
+              <a:t>How much does mortgage price change between summer and winter? </a:t>
+            </a:r>
+            <a:r>
+              <a:rPr lang="ja-JP" altLang="en-US" dirty="0">
+                <a:solidFill>
+                  <a:srgbClr val="FF0000"/>
+                </a:solidFill>
+              </a:rPr>
+              <a:t>▷ </a:t>
+            </a:r>
+            <a:r>
+              <a:rPr lang="en-US" altLang="ja-JP" dirty="0">
+                <a:solidFill>
+                  <a:srgbClr val="FF0000"/>
+                </a:solidFill>
+              </a:rPr>
+              <a:t>Not able to find</a:t>
+            </a:r>
+            <a:endParaRPr lang="en-US" dirty="0">
+              <a:solidFill>
+                <a:srgbClr val="FF0000"/>
+              </a:solidFill>
+            </a:endParaRPr>
+          </a:p>
+          <a:p>
+            <a:pPr lvl="1"/>
+            <a:r>
+              <a:rPr lang="en-US" dirty="0"/>
+              <a:t>Does mortgage price have trends by </a:t>
+            </a:r>
+            <a:r>
+              <a:rPr lang="en-US" dirty="0" err="1"/>
+              <a:t>Zipcode</a:t>
+            </a:r>
+            <a:r>
+              <a:rPr lang="en-US" dirty="0"/>
+              <a:t>? </a:t>
+            </a:r>
+            <a:r>
+              <a:rPr lang="ja-JP" altLang="en-US" dirty="0">
+                <a:solidFill>
+                  <a:srgbClr val="FF0000"/>
+                </a:solidFill>
+              </a:rPr>
+              <a:t>▷ </a:t>
+            </a:r>
+            <a:r>
+              <a:rPr lang="en-US" altLang="ja-JP" dirty="0">
+                <a:solidFill>
+                  <a:srgbClr val="FF0000"/>
+                </a:solidFill>
+              </a:rPr>
+              <a:t>To some extent but not as expected</a:t>
+            </a:r>
+            <a:endParaRPr lang="en-US" dirty="0">
+              <a:solidFill>
+                <a:srgbClr val="FF0000"/>
+              </a:solidFill>
+            </a:endParaRPr>
+          </a:p>
+          <a:p>
+            <a:pPr lvl="1"/>
+            <a:r>
+              <a:rPr lang="en-US" dirty="0"/>
+              <a:t>How number of rooms, foot, or build year in a mortgage correlates with the amount? </a:t>
+            </a:r>
+            <a:r>
+              <a:rPr lang="ja-JP" altLang="en-US" dirty="0">
+                <a:solidFill>
+                  <a:srgbClr val="FF0000"/>
+                </a:solidFill>
+              </a:rPr>
+              <a:t>▷ </a:t>
+            </a:r>
+            <a:r>
+              <a:rPr lang="en-US" altLang="ja-JP" dirty="0">
+                <a:solidFill>
+                  <a:srgbClr val="FF0000"/>
+                </a:solidFill>
+              </a:rPr>
+              <a:t>number of rooms has Moderate effect against mortgage amount</a:t>
+            </a:r>
+            <a:endParaRPr lang="en-US" dirty="0">
+              <a:solidFill>
+                <a:srgbClr val="FF0000"/>
+              </a:solidFill>
+            </a:endParaRPr>
           </a:p>
           <a:p>
             <a:pPr marL="0" indent="0">
@@ -10766,7 +11691,7 @@
     </p:spTree>
     <p:extLst>
       <p:ext uri="{BB962C8B-B14F-4D97-AF65-F5344CB8AC3E}">
-        <p14:creationId xmlns:p14="http://schemas.microsoft.com/office/powerpoint/2010/main" val="2927736182"/>
+        <p14:creationId xmlns:p14="http://schemas.microsoft.com/office/powerpoint/2010/main" val="4192792578"/>
       </p:ext>
     </p:extLst>
   </p:cSld>
